--- a/proposal_presentation.pptx
+++ b/proposal_presentation.pptx
@@ -17,7 +17,8 @@
     <p:sldId id="265" r:id="rId11"/>
     <p:sldId id="267" r:id="rId12"/>
     <p:sldId id="266" r:id="rId13"/>
-    <p:sldId id="268" r:id="rId14"/>
+    <p:sldId id="269" r:id="rId14"/>
+    <p:sldId id="268" r:id="rId15"/>
   </p:sldIdLst>
   <p:sldSz cx="12192000" cy="6858000"/>
   <p:notesSz cx="6858000" cy="9144000"/>
@@ -174,7 +175,7 @@
           <a:noFill/>
           <a:extLst>
             <a:ext uri="{909E8E84-426E-40dd-AFC4-6F175D3DCCD1}">
-              <a14:hiddenFill xmlns="" xmlns:a14="http://schemas.microsoft.com/office/drawing/2010/main">
+              <a14:hiddenFill xmlns:a14="http://schemas.microsoft.com/office/drawing/2010/main" xmlns="">
                 <a:solidFill>
                   <a:srgbClr val="FFFFFF"/>
                 </a:solidFill>
@@ -234,7 +235,7 @@
             </a:ln>
             <a:extLst>
               <a:ext uri="{91240B29-F687-4f45-9708-019B960494DF}">
-                <a14:hiddenLine xmlns="" xmlns:a14="http://schemas.microsoft.com/office/drawing/2010/main" w="9525">
+                <a14:hiddenLine xmlns:a14="http://schemas.microsoft.com/office/drawing/2010/main" xmlns="" w="9525">
                   <a:solidFill>
                     <a:srgbClr val="000000"/>
                   </a:solidFill>
@@ -324,7 +325,7 @@
             </a:ln>
             <a:extLst>
               <a:ext uri="{91240B29-F687-4f45-9708-019B960494DF}">
-                <a14:hiddenLine xmlns="" xmlns:a14="http://schemas.microsoft.com/office/drawing/2010/main" w="9525">
+                <a14:hiddenLine xmlns:a14="http://schemas.microsoft.com/office/drawing/2010/main" xmlns="" w="9525">
                   <a:solidFill>
                     <a:srgbClr val="000000"/>
                   </a:solidFill>
@@ -414,7 +415,7 @@
             </a:ln>
             <a:extLst>
               <a:ext uri="{91240B29-F687-4f45-9708-019B960494DF}">
-                <a14:hiddenLine xmlns="" xmlns:a14="http://schemas.microsoft.com/office/drawing/2010/main" w="9525">
+                <a14:hiddenLine xmlns:a14="http://schemas.microsoft.com/office/drawing/2010/main" xmlns="" w="9525">
                   <a:solidFill>
                     <a:srgbClr val="000000"/>
                   </a:solidFill>
@@ -448,7 +449,7 @@
             </a:ln>
             <a:extLst>
               <a:ext uri="{91240B29-F687-4f45-9708-019B960494DF}">
-                <a14:hiddenLine xmlns="" xmlns:a14="http://schemas.microsoft.com/office/drawing/2010/main" w="9525">
+                <a14:hiddenLine xmlns:a14="http://schemas.microsoft.com/office/drawing/2010/main" xmlns="" w="9525">
                   <a:solidFill>
                     <a:srgbClr val="000000"/>
                   </a:solidFill>
@@ -538,7 +539,7 @@
             </a:ln>
             <a:extLst>
               <a:ext uri="{91240B29-F687-4f45-9708-019B960494DF}">
-                <a14:hiddenLine xmlns="" xmlns:a14="http://schemas.microsoft.com/office/drawing/2010/main" w="9525">
+                <a14:hiddenLine xmlns:a14="http://schemas.microsoft.com/office/drawing/2010/main" xmlns="" w="9525">
                   <a:solidFill>
                     <a:srgbClr val="000000"/>
                   </a:solidFill>
@@ -600,7 +601,7 @@
             </a:ln>
             <a:extLst>
               <a:ext uri="{91240B29-F687-4f45-9708-019B960494DF}">
-                <a14:hiddenLine xmlns="" xmlns:a14="http://schemas.microsoft.com/office/drawing/2010/main" w="9525">
+                <a14:hiddenLine xmlns:a14="http://schemas.microsoft.com/office/drawing/2010/main" xmlns="" w="9525">
                   <a:solidFill>
                     <a:srgbClr val="000000"/>
                   </a:solidFill>
@@ -662,7 +663,7 @@
             </a:ln>
             <a:extLst>
               <a:ext uri="{91240B29-F687-4f45-9708-019B960494DF}">
-                <a14:hiddenLine xmlns="" xmlns:a14="http://schemas.microsoft.com/office/drawing/2010/main" w="9525">
+                <a14:hiddenLine xmlns:a14="http://schemas.microsoft.com/office/drawing/2010/main" xmlns="" w="9525">
                   <a:solidFill>
                     <a:srgbClr val="000000"/>
                   </a:solidFill>
@@ -752,7 +753,7 @@
             </a:ln>
             <a:extLst>
               <a:ext uri="{91240B29-F687-4f45-9708-019B960494DF}">
-                <a14:hiddenLine xmlns="" xmlns:a14="http://schemas.microsoft.com/office/drawing/2010/main" w="9525">
+                <a14:hiddenLine xmlns:a14="http://schemas.microsoft.com/office/drawing/2010/main" xmlns="" w="9525">
                   <a:solidFill>
                     <a:srgbClr val="000000"/>
                   </a:solidFill>
@@ -814,7 +815,7 @@
             </a:ln>
             <a:extLst>
               <a:ext uri="{91240B29-F687-4f45-9708-019B960494DF}">
-                <a14:hiddenLine xmlns="" xmlns:a14="http://schemas.microsoft.com/office/drawing/2010/main" w="9525">
+                <a14:hiddenLine xmlns:a14="http://schemas.microsoft.com/office/drawing/2010/main" xmlns="" w="9525">
                   <a:solidFill>
                     <a:srgbClr val="000000"/>
                   </a:solidFill>
@@ -876,7 +877,7 @@
             </a:ln>
             <a:extLst>
               <a:ext uri="{91240B29-F687-4f45-9708-019B960494DF}">
-                <a14:hiddenLine xmlns="" xmlns:a14="http://schemas.microsoft.com/office/drawing/2010/main" w="9525">
+                <a14:hiddenLine xmlns:a14="http://schemas.microsoft.com/office/drawing/2010/main" xmlns="" w="9525">
                   <a:solidFill>
                     <a:srgbClr val="000000"/>
                   </a:solidFill>
@@ -966,7 +967,7 @@
             </a:ln>
             <a:extLst>
               <a:ext uri="{91240B29-F687-4f45-9708-019B960494DF}">
-                <a14:hiddenLine xmlns="" xmlns:a14="http://schemas.microsoft.com/office/drawing/2010/main" w="9525">
+                <a14:hiddenLine xmlns:a14="http://schemas.microsoft.com/office/drawing/2010/main" xmlns="" w="9525">
                   <a:solidFill>
                     <a:srgbClr val="000000"/>
                   </a:solidFill>
@@ -1056,7 +1057,7 @@
             </a:ln>
             <a:extLst>
               <a:ext uri="{91240B29-F687-4f45-9708-019B960494DF}">
-                <a14:hiddenLine xmlns="" xmlns:a14="http://schemas.microsoft.com/office/drawing/2010/main" w="9525">
+                <a14:hiddenLine xmlns:a14="http://schemas.microsoft.com/office/drawing/2010/main" xmlns="" w="9525">
                   <a:solidFill>
                     <a:srgbClr val="000000"/>
                   </a:solidFill>
@@ -1118,7 +1119,7 @@
             </a:ln>
             <a:extLst>
               <a:ext uri="{91240B29-F687-4f45-9708-019B960494DF}">
-                <a14:hiddenLine xmlns="" xmlns:a14="http://schemas.microsoft.com/office/drawing/2010/main" w="9525">
+                <a14:hiddenLine xmlns:a14="http://schemas.microsoft.com/office/drawing/2010/main" xmlns="" w="9525">
                   <a:solidFill>
                     <a:srgbClr val="000000"/>
                   </a:solidFill>
@@ -1228,7 +1229,7 @@
             </a:ln>
             <a:extLst>
               <a:ext uri="{91240B29-F687-4f45-9708-019B960494DF}">
-                <a14:hiddenLine xmlns="" xmlns:a14="http://schemas.microsoft.com/office/drawing/2010/main" w="9525">
+                <a14:hiddenLine xmlns:a14="http://schemas.microsoft.com/office/drawing/2010/main" xmlns="" w="9525">
                   <a:solidFill>
                     <a:srgbClr val="000000"/>
                   </a:solidFill>
@@ -1290,7 +1291,7 @@
             </a:ln>
             <a:extLst>
               <a:ext uri="{91240B29-F687-4f45-9708-019B960494DF}">
-                <a14:hiddenLine xmlns="" xmlns:a14="http://schemas.microsoft.com/office/drawing/2010/main" w="9525">
+                <a14:hiddenLine xmlns:a14="http://schemas.microsoft.com/office/drawing/2010/main" xmlns="" w="9525">
                   <a:solidFill>
                     <a:srgbClr val="000000"/>
                   </a:solidFill>
@@ -1380,7 +1381,7 @@
             </a:ln>
             <a:extLst>
               <a:ext uri="{91240B29-F687-4f45-9708-019B960494DF}">
-                <a14:hiddenLine xmlns="" xmlns:a14="http://schemas.microsoft.com/office/drawing/2010/main" w="9525">
+                <a14:hiddenLine xmlns:a14="http://schemas.microsoft.com/office/drawing/2010/main" xmlns="" w="9525">
                   <a:solidFill>
                     <a:srgbClr val="000000"/>
                   </a:solidFill>
@@ -1470,7 +1471,7 @@
             </a:ln>
             <a:extLst>
               <a:ext uri="{91240B29-F687-4f45-9708-019B960494DF}">
-                <a14:hiddenLine xmlns="" xmlns:a14="http://schemas.microsoft.com/office/drawing/2010/main" w="9525">
+                <a14:hiddenLine xmlns:a14="http://schemas.microsoft.com/office/drawing/2010/main" xmlns="" w="9525">
                   <a:solidFill>
                     <a:srgbClr val="000000"/>
                   </a:solidFill>
@@ -1532,7 +1533,7 @@
             </a:ln>
             <a:extLst>
               <a:ext uri="{91240B29-F687-4f45-9708-019B960494DF}">
-                <a14:hiddenLine xmlns="" xmlns:a14="http://schemas.microsoft.com/office/drawing/2010/main" w="9525">
+                <a14:hiddenLine xmlns:a14="http://schemas.microsoft.com/office/drawing/2010/main" xmlns="" w="9525">
                   <a:solidFill>
                     <a:srgbClr val="000000"/>
                   </a:solidFill>
@@ -1622,7 +1623,7 @@
             </a:ln>
             <a:extLst>
               <a:ext uri="{91240B29-F687-4f45-9708-019B960494DF}">
-                <a14:hiddenLine xmlns="" xmlns:a14="http://schemas.microsoft.com/office/drawing/2010/main" w="9525">
+                <a14:hiddenLine xmlns:a14="http://schemas.microsoft.com/office/drawing/2010/main" xmlns="" w="9525">
                   <a:solidFill>
                     <a:srgbClr val="000000"/>
                   </a:solidFill>
@@ -1712,7 +1713,7 @@
             </a:ln>
             <a:extLst>
               <a:ext uri="{91240B29-F687-4f45-9708-019B960494DF}">
-                <a14:hiddenLine xmlns="" xmlns:a14="http://schemas.microsoft.com/office/drawing/2010/main" w="9525">
+                <a14:hiddenLine xmlns:a14="http://schemas.microsoft.com/office/drawing/2010/main" xmlns="" w="9525">
                   <a:solidFill>
                     <a:srgbClr val="000000"/>
                   </a:solidFill>
@@ -1768,7 +1769,7 @@
             </a:ln>
             <a:extLst>
               <a:ext uri="{91240B29-F687-4f45-9708-019B960494DF}">
-                <a14:hiddenLine xmlns="" xmlns:a14="http://schemas.microsoft.com/office/drawing/2010/main" w="9525">
+                <a14:hiddenLine xmlns:a14="http://schemas.microsoft.com/office/drawing/2010/main" xmlns="" w="9525">
                   <a:solidFill>
                     <a:srgbClr val="000000"/>
                   </a:solidFill>
@@ -1858,7 +1859,7 @@
             </a:ln>
             <a:extLst>
               <a:ext uri="{91240B29-F687-4f45-9708-019B960494DF}">
-                <a14:hiddenLine xmlns="" xmlns:a14="http://schemas.microsoft.com/office/drawing/2010/main" w="9525">
+                <a14:hiddenLine xmlns:a14="http://schemas.microsoft.com/office/drawing/2010/main" xmlns="" w="9525">
                   <a:solidFill>
                     <a:srgbClr val="000000"/>
                   </a:solidFill>
@@ -1914,7 +1915,7 @@
             </a:ln>
             <a:extLst>
               <a:ext uri="{91240B29-F687-4f45-9708-019B960494DF}">
-                <a14:hiddenLine xmlns="" xmlns:a14="http://schemas.microsoft.com/office/drawing/2010/main" w="9525">
+                <a14:hiddenLine xmlns:a14="http://schemas.microsoft.com/office/drawing/2010/main" xmlns="" w="9525">
                   <a:solidFill>
                     <a:srgbClr val="000000"/>
                   </a:solidFill>
@@ -2004,7 +2005,7 @@
             </a:ln>
             <a:extLst>
               <a:ext uri="{91240B29-F687-4f45-9708-019B960494DF}">
-                <a14:hiddenLine xmlns="" xmlns:a14="http://schemas.microsoft.com/office/drawing/2010/main" w="9525">
+                <a14:hiddenLine xmlns:a14="http://schemas.microsoft.com/office/drawing/2010/main" xmlns="" w="9525">
                   <a:solidFill>
                     <a:srgbClr val="000000"/>
                   </a:solidFill>
@@ -2072,7 +2073,7 @@
             </a:ln>
             <a:extLst>
               <a:ext uri="{91240B29-F687-4f45-9708-019B960494DF}">
-                <a14:hiddenLine xmlns="" xmlns:a14="http://schemas.microsoft.com/office/drawing/2010/main" w="9525">
+                <a14:hiddenLine xmlns:a14="http://schemas.microsoft.com/office/drawing/2010/main" xmlns="" w="9525">
                   <a:solidFill>
                     <a:srgbClr val="000000"/>
                   </a:solidFill>
@@ -2162,7 +2163,7 @@
             </a:ln>
             <a:extLst>
               <a:ext uri="{91240B29-F687-4f45-9708-019B960494DF}">
-                <a14:hiddenLine xmlns="" xmlns:a14="http://schemas.microsoft.com/office/drawing/2010/main" w="9525">
+                <a14:hiddenLine xmlns:a14="http://schemas.microsoft.com/office/drawing/2010/main" xmlns="" w="9525">
                   <a:solidFill>
                     <a:srgbClr val="000000"/>
                   </a:solidFill>
@@ -2230,7 +2231,7 @@
             </a:ln>
             <a:extLst>
               <a:ext uri="{91240B29-F687-4f45-9708-019B960494DF}">
-                <a14:hiddenLine xmlns="" xmlns:a14="http://schemas.microsoft.com/office/drawing/2010/main" w="9525">
+                <a14:hiddenLine xmlns:a14="http://schemas.microsoft.com/office/drawing/2010/main" xmlns="" w="9525">
                   <a:solidFill>
                     <a:srgbClr val="000000"/>
                   </a:solidFill>
@@ -2320,7 +2321,7 @@
             </a:ln>
             <a:extLst>
               <a:ext uri="{91240B29-F687-4f45-9708-019B960494DF}">
-                <a14:hiddenLine xmlns="" xmlns:a14="http://schemas.microsoft.com/office/drawing/2010/main" w="9525">
+                <a14:hiddenLine xmlns:a14="http://schemas.microsoft.com/office/drawing/2010/main" xmlns="" w="9525">
                   <a:solidFill>
                     <a:srgbClr val="000000"/>
                   </a:solidFill>
@@ -2354,7 +2355,7 @@
             </a:ln>
             <a:extLst>
               <a:ext uri="{91240B29-F687-4f45-9708-019B960494DF}">
-                <a14:hiddenLine xmlns="" xmlns:a14="http://schemas.microsoft.com/office/drawing/2010/main" w="9525">
+                <a14:hiddenLine xmlns:a14="http://schemas.microsoft.com/office/drawing/2010/main" xmlns="" w="9525">
                   <a:solidFill>
                     <a:srgbClr val="000000"/>
                   </a:solidFill>
@@ -2444,7 +2445,7 @@
             </a:ln>
             <a:extLst>
               <a:ext uri="{91240B29-F687-4f45-9708-019B960494DF}">
-                <a14:hiddenLine xmlns="" xmlns:a14="http://schemas.microsoft.com/office/drawing/2010/main" w="9525">
+                <a14:hiddenLine xmlns:a14="http://schemas.microsoft.com/office/drawing/2010/main" xmlns="" w="9525">
                   <a:solidFill>
                     <a:srgbClr val="000000"/>
                   </a:solidFill>
@@ -2506,7 +2507,7 @@
             </a:ln>
             <a:extLst>
               <a:ext uri="{91240B29-F687-4f45-9708-019B960494DF}">
-                <a14:hiddenLine xmlns="" xmlns:a14="http://schemas.microsoft.com/office/drawing/2010/main" w="9525">
+                <a14:hiddenLine xmlns:a14="http://schemas.microsoft.com/office/drawing/2010/main" xmlns="" w="9525">
                   <a:solidFill>
                     <a:srgbClr val="000000"/>
                   </a:solidFill>
@@ -2568,7 +2569,7 @@
             </a:ln>
             <a:extLst>
               <a:ext uri="{91240B29-F687-4f45-9708-019B960494DF}">
-                <a14:hiddenLine xmlns="" xmlns:a14="http://schemas.microsoft.com/office/drawing/2010/main" w="9525">
+                <a14:hiddenLine xmlns:a14="http://schemas.microsoft.com/office/drawing/2010/main" xmlns="" w="9525">
                   <a:solidFill>
                     <a:srgbClr val="000000"/>
                   </a:solidFill>
@@ -2658,7 +2659,7 @@
             </a:ln>
             <a:extLst>
               <a:ext uri="{91240B29-F687-4f45-9708-019B960494DF}">
-                <a14:hiddenLine xmlns="" xmlns:a14="http://schemas.microsoft.com/office/drawing/2010/main" w="9525">
+                <a14:hiddenLine xmlns:a14="http://schemas.microsoft.com/office/drawing/2010/main" xmlns="" w="9525">
                   <a:solidFill>
                     <a:srgbClr val="000000"/>
                   </a:solidFill>
@@ -2726,7 +2727,7 @@
             </a:ln>
             <a:extLst>
               <a:ext uri="{91240B29-F687-4f45-9708-019B960494DF}">
-                <a14:hiddenLine xmlns="" xmlns:a14="http://schemas.microsoft.com/office/drawing/2010/main" w="9525">
+                <a14:hiddenLine xmlns:a14="http://schemas.microsoft.com/office/drawing/2010/main" xmlns="" w="9525">
                   <a:solidFill>
                     <a:srgbClr val="000000"/>
                   </a:solidFill>
@@ -2788,7 +2789,7 @@
             </a:ln>
             <a:extLst>
               <a:ext uri="{91240B29-F687-4f45-9708-019B960494DF}">
-                <a14:hiddenLine xmlns="" xmlns:a14="http://schemas.microsoft.com/office/drawing/2010/main" w="9525">
+                <a14:hiddenLine xmlns:a14="http://schemas.microsoft.com/office/drawing/2010/main" xmlns="" w="9525">
                   <a:solidFill>
                     <a:srgbClr val="000000"/>
                   </a:solidFill>
@@ -2878,7 +2879,7 @@
             </a:ln>
             <a:extLst>
               <a:ext uri="{91240B29-F687-4f45-9708-019B960494DF}">
-                <a14:hiddenLine xmlns="" xmlns:a14="http://schemas.microsoft.com/office/drawing/2010/main" w="9525">
+                <a14:hiddenLine xmlns:a14="http://schemas.microsoft.com/office/drawing/2010/main" xmlns="" w="9525">
                   <a:solidFill>
                     <a:srgbClr val="000000"/>
                   </a:solidFill>
@@ -2940,7 +2941,7 @@
             </a:ln>
             <a:extLst>
               <a:ext uri="{91240B29-F687-4f45-9708-019B960494DF}">
-                <a14:hiddenLine xmlns="" xmlns:a14="http://schemas.microsoft.com/office/drawing/2010/main" w="9525">
+                <a14:hiddenLine xmlns:a14="http://schemas.microsoft.com/office/drawing/2010/main" xmlns="" w="9525">
                   <a:solidFill>
                     <a:srgbClr val="000000"/>
                   </a:solidFill>
@@ -3030,7 +3031,7 @@
             </a:ln>
             <a:extLst>
               <a:ext uri="{91240B29-F687-4f45-9708-019B960494DF}">
-                <a14:hiddenLine xmlns="" xmlns:a14="http://schemas.microsoft.com/office/drawing/2010/main" w="9525">
+                <a14:hiddenLine xmlns:a14="http://schemas.microsoft.com/office/drawing/2010/main" xmlns="" w="9525">
                   <a:solidFill>
                     <a:srgbClr val="000000"/>
                   </a:solidFill>
@@ -3092,7 +3093,7 @@
             </a:ln>
             <a:extLst>
               <a:ext uri="{91240B29-F687-4f45-9708-019B960494DF}">
-                <a14:hiddenLine xmlns="" xmlns:a14="http://schemas.microsoft.com/office/drawing/2010/main" w="9525">
+                <a14:hiddenLine xmlns:a14="http://schemas.microsoft.com/office/drawing/2010/main" xmlns="" w="9525">
                   <a:solidFill>
                     <a:srgbClr val="000000"/>
                   </a:solidFill>
@@ -3182,7 +3183,7 @@
             </a:ln>
             <a:extLst>
               <a:ext uri="{91240B29-F687-4f45-9708-019B960494DF}">
-                <a14:hiddenLine xmlns="" xmlns:a14="http://schemas.microsoft.com/office/drawing/2010/main" w="9525">
+                <a14:hiddenLine xmlns:a14="http://schemas.microsoft.com/office/drawing/2010/main" xmlns="" w="9525">
                   <a:solidFill>
                     <a:srgbClr val="000000"/>
                   </a:solidFill>
@@ -3216,7 +3217,7 @@
             </a:ln>
             <a:extLst>
               <a:ext uri="{91240B29-F687-4f45-9708-019B960494DF}">
-                <a14:hiddenLine xmlns="" xmlns:a14="http://schemas.microsoft.com/office/drawing/2010/main" w="9525">
+                <a14:hiddenLine xmlns:a14="http://schemas.microsoft.com/office/drawing/2010/main" xmlns="" w="9525">
                   <a:solidFill>
                     <a:srgbClr val="000000"/>
                   </a:solidFill>
@@ -3281,7 +3282,7 @@
             </a:ln>
             <a:extLst>
               <a:ext uri="{91240B29-F687-4f45-9708-019B960494DF}">
-                <a14:hiddenLine xmlns="" xmlns:a14="http://schemas.microsoft.com/office/drawing/2010/main" w="9525">
+                <a14:hiddenLine xmlns:a14="http://schemas.microsoft.com/office/drawing/2010/main" xmlns="" w="9525">
                   <a:solidFill>
                     <a:srgbClr val="000000"/>
                   </a:solidFill>
@@ -3371,7 +3372,7 @@
             </a:ln>
             <a:extLst>
               <a:ext uri="{91240B29-F687-4f45-9708-019B960494DF}">
-                <a14:hiddenLine xmlns="" xmlns:a14="http://schemas.microsoft.com/office/drawing/2010/main" w="9525">
+                <a14:hiddenLine xmlns:a14="http://schemas.microsoft.com/office/drawing/2010/main" xmlns="" w="9525">
                   <a:solidFill>
                     <a:srgbClr val="000000"/>
                   </a:solidFill>
@@ -3433,7 +3434,7 @@
             </a:ln>
             <a:extLst>
               <a:ext uri="{91240B29-F687-4f45-9708-019B960494DF}">
-                <a14:hiddenLine xmlns="" xmlns:a14="http://schemas.microsoft.com/office/drawing/2010/main" w="9525">
+                <a14:hiddenLine xmlns:a14="http://schemas.microsoft.com/office/drawing/2010/main" xmlns="" w="9525">
                   <a:solidFill>
                     <a:srgbClr val="000000"/>
                   </a:solidFill>
@@ -3523,7 +3524,7 @@
             </a:ln>
             <a:extLst>
               <a:ext uri="{91240B29-F687-4f45-9708-019B960494DF}">
-                <a14:hiddenLine xmlns="" xmlns:a14="http://schemas.microsoft.com/office/drawing/2010/main" w="9525">
+                <a14:hiddenLine xmlns:a14="http://schemas.microsoft.com/office/drawing/2010/main" xmlns="" w="9525">
                   <a:solidFill>
                     <a:srgbClr val="000000"/>
                   </a:solidFill>
@@ -3613,7 +3614,7 @@
             </a:ln>
             <a:extLst>
               <a:ext uri="{91240B29-F687-4f45-9708-019B960494DF}">
-                <a14:hiddenLine xmlns="" xmlns:a14="http://schemas.microsoft.com/office/drawing/2010/main" w="9525">
+                <a14:hiddenLine xmlns:a14="http://schemas.microsoft.com/office/drawing/2010/main" xmlns="" w="9525">
                   <a:solidFill>
                     <a:srgbClr val="000000"/>
                   </a:solidFill>
@@ -3678,7 +3679,7 @@
             </a:ln>
             <a:extLst>
               <a:ext uri="{91240B29-F687-4f45-9708-019B960494DF}">
-                <a14:hiddenLine xmlns="" xmlns:a14="http://schemas.microsoft.com/office/drawing/2010/main" w="9525">
+                <a14:hiddenLine xmlns:a14="http://schemas.microsoft.com/office/drawing/2010/main" xmlns="" w="9525">
                   <a:solidFill>
                     <a:srgbClr val="000000"/>
                   </a:solidFill>
@@ -3740,7 +3741,7 @@
             </a:ln>
             <a:extLst>
               <a:ext uri="{91240B29-F687-4f45-9708-019B960494DF}">
-                <a14:hiddenLine xmlns="" xmlns:a14="http://schemas.microsoft.com/office/drawing/2010/main" w="9525">
+                <a14:hiddenLine xmlns:a14="http://schemas.microsoft.com/office/drawing/2010/main" xmlns="" w="9525">
                   <a:solidFill>
                     <a:srgbClr val="000000"/>
                   </a:solidFill>
@@ -3830,7 +3831,7 @@
             </a:ln>
             <a:extLst>
               <a:ext uri="{91240B29-F687-4f45-9708-019B960494DF}">
-                <a14:hiddenLine xmlns="" xmlns:a14="http://schemas.microsoft.com/office/drawing/2010/main" w="9525">
+                <a14:hiddenLine xmlns:a14="http://schemas.microsoft.com/office/drawing/2010/main" xmlns="" w="9525">
                   <a:solidFill>
                     <a:srgbClr val="000000"/>
                   </a:solidFill>
@@ -3920,7 +3921,7 @@
             </a:ln>
             <a:extLst>
               <a:ext uri="{91240B29-F687-4f45-9708-019B960494DF}">
-                <a14:hiddenLine xmlns="" xmlns:a14="http://schemas.microsoft.com/office/drawing/2010/main" w="9525">
+                <a14:hiddenLine xmlns:a14="http://schemas.microsoft.com/office/drawing/2010/main" xmlns="" w="9525">
                   <a:solidFill>
                     <a:srgbClr val="000000"/>
                   </a:solidFill>
@@ -3982,7 +3983,7 @@
             </a:ln>
             <a:extLst>
               <a:ext uri="{91240B29-F687-4f45-9708-019B960494DF}">
-                <a14:hiddenLine xmlns="" xmlns:a14="http://schemas.microsoft.com/office/drawing/2010/main" w="9525">
+                <a14:hiddenLine xmlns:a14="http://schemas.microsoft.com/office/drawing/2010/main" xmlns="" w="9525">
                   <a:solidFill>
                     <a:srgbClr val="000000"/>
                   </a:solidFill>
@@ -4102,7 +4103,7 @@
             </a:ln>
             <a:extLst>
               <a:ext uri="{91240B29-F687-4f45-9708-019B960494DF}">
-                <a14:hiddenLine xmlns="" xmlns:a14="http://schemas.microsoft.com/office/drawing/2010/main" w="9525">
+                <a14:hiddenLine xmlns:a14="http://schemas.microsoft.com/office/drawing/2010/main" xmlns="" w="9525">
                   <a:solidFill>
                     <a:srgbClr val="000000"/>
                   </a:solidFill>
@@ -4170,7 +4171,7 @@
             </a:ln>
             <a:extLst>
               <a:ext uri="{91240B29-F687-4f45-9708-019B960494DF}">
-                <a14:hiddenLine xmlns="" xmlns:a14="http://schemas.microsoft.com/office/drawing/2010/main" w="9525">
+                <a14:hiddenLine xmlns:a14="http://schemas.microsoft.com/office/drawing/2010/main" xmlns="" w="9525">
                   <a:solidFill>
                     <a:srgbClr val="000000"/>
                   </a:solidFill>
@@ -4260,7 +4261,7 @@
             </a:ln>
             <a:extLst>
               <a:ext uri="{91240B29-F687-4f45-9708-019B960494DF}">
-                <a14:hiddenLine xmlns="" xmlns:a14="http://schemas.microsoft.com/office/drawing/2010/main" w="9525">
+                <a14:hiddenLine xmlns:a14="http://schemas.microsoft.com/office/drawing/2010/main" xmlns="" w="9525">
                   <a:solidFill>
                     <a:srgbClr val="000000"/>
                   </a:solidFill>
@@ -4400,7 +4401,7 @@
           <a:p>
             <a:fld id="{48A87A34-81AB-432B-8DAE-1953F412C126}" type="datetimeFigureOut">
               <a:rPr lang="en-US" dirty="0"/>
-              <a:t>2/1/2017</a:t>
+              <a:t>2/2/2017</a:t>
             </a:fld>
             <a:endParaRPr lang="en-US" dirty="0"/>
           </a:p>
@@ -4662,7 +4663,7 @@
           <a:p>
             <a:fld id="{48A87A34-81AB-432B-8DAE-1953F412C126}" type="datetimeFigureOut">
               <a:rPr lang="en-US" dirty="0"/>
-              <a:t>2/1/2017</a:t>
+              <a:t>2/2/2017</a:t>
             </a:fld>
             <a:endParaRPr lang="en-US" dirty="0"/>
           </a:p>
@@ -4853,7 +4854,7 @@
           <a:p>
             <a:fld id="{48A87A34-81AB-432B-8DAE-1953F412C126}" type="datetimeFigureOut">
               <a:rPr lang="en-US" dirty="0"/>
-              <a:t>2/1/2017</a:t>
+              <a:t>2/2/2017</a:t>
             </a:fld>
             <a:endParaRPr lang="en-US" dirty="0"/>
           </a:p>
@@ -5111,7 +5112,7 @@
           <a:p>
             <a:fld id="{48A87A34-81AB-432B-8DAE-1953F412C126}" type="datetimeFigureOut">
               <a:rPr lang="en-US" dirty="0"/>
-              <a:t>2/1/2017</a:t>
+              <a:t>2/2/2017</a:t>
             </a:fld>
             <a:endParaRPr lang="en-US" dirty="0"/>
           </a:p>
@@ -5540,7 +5541,7 @@
           <a:p>
             <a:fld id="{48A87A34-81AB-432B-8DAE-1953F412C126}" type="datetimeFigureOut">
               <a:rPr lang="en-US" dirty="0"/>
-              <a:t>2/1/2017</a:t>
+              <a:t>2/2/2017</a:t>
             </a:fld>
             <a:endParaRPr lang="en-US" dirty="0"/>
           </a:p>
@@ -6081,7 +6082,7 @@
           <a:p>
             <a:fld id="{48A87A34-81AB-432B-8DAE-1953F412C126}" type="datetimeFigureOut">
               <a:rPr lang="en-US" dirty="0"/>
-              <a:t>2/1/2017</a:t>
+              <a:t>2/2/2017</a:t>
             </a:fld>
             <a:endParaRPr lang="en-US" dirty="0"/>
           </a:p>
@@ -6796,7 +6797,7 @@
           <a:p>
             <a:fld id="{48A87A34-81AB-432B-8DAE-1953F412C126}" type="datetimeFigureOut">
               <a:rPr lang="en-US" dirty="0"/>
-              <a:t>2/1/2017</a:t>
+              <a:t>2/2/2017</a:t>
             </a:fld>
             <a:endParaRPr lang="en-US" dirty="0"/>
           </a:p>
@@ -6961,7 +6962,7 @@
           <a:p>
             <a:fld id="{48A87A34-81AB-432B-8DAE-1953F412C126}" type="datetimeFigureOut">
               <a:rPr lang="en-US" dirty="0"/>
-              <a:t>2/1/2017</a:t>
+              <a:t>2/2/2017</a:t>
             </a:fld>
             <a:endParaRPr lang="en-US" dirty="0"/>
           </a:p>
@@ -7136,7 +7137,7 @@
           <a:p>
             <a:fld id="{48A87A34-81AB-432B-8DAE-1953F412C126}" type="datetimeFigureOut">
               <a:rPr lang="en-US" dirty="0"/>
-              <a:t>2/1/2017</a:t>
+              <a:t>2/2/2017</a:t>
             </a:fld>
             <a:endParaRPr lang="en-US" dirty="0"/>
           </a:p>
@@ -7301,7 +7302,7 @@
           <a:p>
             <a:fld id="{48A87A34-81AB-432B-8DAE-1953F412C126}" type="datetimeFigureOut">
               <a:rPr lang="en-US" dirty="0"/>
-              <a:t>2/1/2017</a:t>
+              <a:t>2/2/2017</a:t>
             </a:fld>
             <a:endParaRPr lang="en-US" dirty="0"/>
           </a:p>
@@ -7546,7 +7547,7 @@
           <a:p>
             <a:fld id="{48A87A34-81AB-432B-8DAE-1953F412C126}" type="datetimeFigureOut">
               <a:rPr lang="en-US" dirty="0"/>
-              <a:t>2/1/2017</a:t>
+              <a:t>2/2/2017</a:t>
             </a:fld>
             <a:endParaRPr lang="en-US" dirty="0"/>
           </a:p>
@@ -7773,7 +7774,7 @@
           <a:p>
             <a:fld id="{48A87A34-81AB-432B-8DAE-1953F412C126}" type="datetimeFigureOut">
               <a:rPr lang="en-US" dirty="0"/>
-              <a:t>2/1/2017</a:t>
+              <a:t>2/2/2017</a:t>
             </a:fld>
             <a:endParaRPr lang="en-US" dirty="0"/>
           </a:p>
@@ -8149,7 +8150,7 @@
           <a:p>
             <a:fld id="{48A87A34-81AB-432B-8DAE-1953F412C126}" type="datetimeFigureOut">
               <a:rPr lang="en-US" dirty="0"/>
-              <a:t>2/1/2017</a:t>
+              <a:t>2/2/2017</a:t>
             </a:fld>
             <a:endParaRPr lang="en-US" dirty="0"/>
           </a:p>
@@ -8262,7 +8263,7 @@
           <a:p>
             <a:fld id="{48A87A34-81AB-432B-8DAE-1953F412C126}" type="datetimeFigureOut">
               <a:rPr lang="en-US" dirty="0"/>
-              <a:t>2/1/2017</a:t>
+              <a:t>2/2/2017</a:t>
             </a:fld>
             <a:endParaRPr lang="en-US" dirty="0"/>
           </a:p>
@@ -8352,7 +8353,7 @@
           <a:p>
             <a:fld id="{48A87A34-81AB-432B-8DAE-1953F412C126}" type="datetimeFigureOut">
               <a:rPr lang="en-US" dirty="0"/>
-              <a:t>2/1/2017</a:t>
+              <a:t>2/2/2017</a:t>
             </a:fld>
             <a:endParaRPr lang="en-US" dirty="0"/>
           </a:p>
@@ -8596,7 +8597,7 @@
           <a:p>
             <a:fld id="{48A87A34-81AB-432B-8DAE-1953F412C126}" type="datetimeFigureOut">
               <a:rPr lang="en-US" dirty="0"/>
-              <a:t>2/1/2017</a:t>
+              <a:t>2/2/2017</a:t>
             </a:fld>
             <a:endParaRPr lang="en-US" dirty="0"/>
           </a:p>
@@ -8871,7 +8872,7 @@
           <a:p>
             <a:fld id="{48A87A34-81AB-432B-8DAE-1953F412C126}" type="datetimeFigureOut">
               <a:rPr lang="en-US" dirty="0"/>
-              <a:t>2/1/2017</a:t>
+              <a:t>2/2/2017</a:t>
             </a:fld>
             <a:endParaRPr lang="en-US" dirty="0"/>
           </a:p>
@@ -8982,7 +8983,7 @@
           <a:noFill/>
           <a:extLst>
             <a:ext uri="{909E8E84-426E-40dd-AFC4-6F175D3DCCD1}">
-              <a14:hiddenFill xmlns="" xmlns:a14="http://schemas.microsoft.com/office/drawing/2010/main">
+              <a14:hiddenFill xmlns:a14="http://schemas.microsoft.com/office/drawing/2010/main" xmlns="">
                 <a:solidFill>
                   <a:srgbClr val="FFFFFF"/>
                 </a:solidFill>
@@ -9056,7 +9057,7 @@
               </a:ln>
               <a:extLst>
                 <a:ext uri="{91240B29-F687-4f45-9708-019B960494DF}">
-                  <a14:hiddenLine xmlns="" xmlns:a14="http://schemas.microsoft.com/office/drawing/2010/main" w="9525">
+                  <a14:hiddenLine xmlns:a14="http://schemas.microsoft.com/office/drawing/2010/main" xmlns="" w="9525">
                     <a:solidFill>
                       <a:srgbClr val="000000"/>
                     </a:solidFill>
@@ -9146,7 +9147,7 @@
               </a:ln>
               <a:extLst>
                 <a:ext uri="{91240B29-F687-4f45-9708-019B960494DF}">
-                  <a14:hiddenLine xmlns="" xmlns:a14="http://schemas.microsoft.com/office/drawing/2010/main" w="9525">
+                  <a14:hiddenLine xmlns:a14="http://schemas.microsoft.com/office/drawing/2010/main" xmlns="" w="9525">
                     <a:solidFill>
                       <a:srgbClr val="000000"/>
                     </a:solidFill>
@@ -9236,7 +9237,7 @@
               </a:ln>
               <a:extLst>
                 <a:ext uri="{91240B29-F687-4f45-9708-019B960494DF}">
-                  <a14:hiddenLine xmlns="" xmlns:a14="http://schemas.microsoft.com/office/drawing/2010/main" w="9525">
+                  <a14:hiddenLine xmlns:a14="http://schemas.microsoft.com/office/drawing/2010/main" xmlns="" w="9525">
                     <a:solidFill>
                       <a:srgbClr val="000000"/>
                     </a:solidFill>
@@ -9298,7 +9299,7 @@
               </a:ln>
               <a:extLst>
                 <a:ext uri="{91240B29-F687-4f45-9708-019B960494DF}">
-                  <a14:hiddenLine xmlns="" xmlns:a14="http://schemas.microsoft.com/office/drawing/2010/main" w="9525">
+                  <a14:hiddenLine xmlns:a14="http://schemas.microsoft.com/office/drawing/2010/main" xmlns="" w="9525">
                     <a:solidFill>
                       <a:srgbClr val="000000"/>
                     </a:solidFill>
@@ -9388,7 +9389,7 @@
               </a:ln>
               <a:extLst>
                 <a:ext uri="{91240B29-F687-4f45-9708-019B960494DF}">
-                  <a14:hiddenLine xmlns="" xmlns:a14="http://schemas.microsoft.com/office/drawing/2010/main" w="9525">
+                  <a14:hiddenLine xmlns:a14="http://schemas.microsoft.com/office/drawing/2010/main" xmlns="" w="9525">
                     <a:solidFill>
                       <a:srgbClr val="000000"/>
                     </a:solidFill>
@@ -9450,7 +9451,7 @@
               </a:ln>
               <a:extLst>
                 <a:ext uri="{91240B29-F687-4f45-9708-019B960494DF}">
-                  <a14:hiddenLine xmlns="" xmlns:a14="http://schemas.microsoft.com/office/drawing/2010/main" w="9525">
+                  <a14:hiddenLine xmlns:a14="http://schemas.microsoft.com/office/drawing/2010/main" xmlns="" w="9525">
                     <a:solidFill>
                       <a:srgbClr val="000000"/>
                     </a:solidFill>
@@ -9512,7 +9513,7 @@
               </a:ln>
               <a:extLst>
                 <a:ext uri="{91240B29-F687-4f45-9708-019B960494DF}">
-                  <a14:hiddenLine xmlns="" xmlns:a14="http://schemas.microsoft.com/office/drawing/2010/main" w="9525">
+                  <a14:hiddenLine xmlns:a14="http://schemas.microsoft.com/office/drawing/2010/main" xmlns="" w="9525">
                     <a:solidFill>
                       <a:srgbClr val="000000"/>
                     </a:solidFill>
@@ -9602,7 +9603,7 @@
               </a:ln>
               <a:extLst>
                 <a:ext uri="{91240B29-F687-4f45-9708-019B960494DF}">
-                  <a14:hiddenLine xmlns="" xmlns:a14="http://schemas.microsoft.com/office/drawing/2010/main" w="9525">
+                  <a14:hiddenLine xmlns:a14="http://schemas.microsoft.com/office/drawing/2010/main" xmlns="" w="9525">
                     <a:solidFill>
                       <a:srgbClr val="000000"/>
                     </a:solidFill>
@@ -9692,7 +9693,7 @@
               </a:ln>
               <a:extLst>
                 <a:ext uri="{91240B29-F687-4f45-9708-019B960494DF}">
-                  <a14:hiddenLine xmlns="" xmlns:a14="http://schemas.microsoft.com/office/drawing/2010/main" w="9525">
+                  <a14:hiddenLine xmlns:a14="http://schemas.microsoft.com/office/drawing/2010/main" xmlns="" w="9525">
                     <a:solidFill>
                       <a:srgbClr val="000000"/>
                     </a:solidFill>
@@ -9754,7 +9755,7 @@
               </a:ln>
               <a:extLst>
                 <a:ext uri="{91240B29-F687-4f45-9708-019B960494DF}">
-                  <a14:hiddenLine xmlns="" xmlns:a14="http://schemas.microsoft.com/office/drawing/2010/main" w="9525">
+                  <a14:hiddenLine xmlns:a14="http://schemas.microsoft.com/office/drawing/2010/main" xmlns="" w="9525">
                     <a:solidFill>
                       <a:srgbClr val="000000"/>
                     </a:solidFill>
@@ -9864,7 +9865,7 @@
               </a:ln>
               <a:extLst>
                 <a:ext uri="{91240B29-F687-4f45-9708-019B960494DF}">
-                  <a14:hiddenLine xmlns="" xmlns:a14="http://schemas.microsoft.com/office/drawing/2010/main" w="9525">
+                  <a14:hiddenLine xmlns:a14="http://schemas.microsoft.com/office/drawing/2010/main" xmlns="" w="9525">
                     <a:solidFill>
                       <a:srgbClr val="000000"/>
                     </a:solidFill>
@@ -9948,7 +9949,7 @@
               </a:ln>
               <a:extLst>
                 <a:ext uri="{91240B29-F687-4f45-9708-019B960494DF}">
-                  <a14:hiddenLine xmlns="" xmlns:a14="http://schemas.microsoft.com/office/drawing/2010/main" w="9525">
+                  <a14:hiddenLine xmlns:a14="http://schemas.microsoft.com/office/drawing/2010/main" xmlns="" w="9525">
                     <a:solidFill>
                       <a:srgbClr val="000000"/>
                     </a:solidFill>
@@ -10010,7 +10011,7 @@
               </a:ln>
               <a:extLst>
                 <a:ext uri="{91240B29-F687-4f45-9708-019B960494DF}">
-                  <a14:hiddenLine xmlns="" xmlns:a14="http://schemas.microsoft.com/office/drawing/2010/main" w="9525">
+                  <a14:hiddenLine xmlns:a14="http://schemas.microsoft.com/office/drawing/2010/main" xmlns="" w="9525">
                     <a:solidFill>
                       <a:srgbClr val="000000"/>
                     </a:solidFill>
@@ -10072,7 +10073,7 @@
               </a:ln>
               <a:extLst>
                 <a:ext uri="{91240B29-F687-4f45-9708-019B960494DF}">
-                  <a14:hiddenLine xmlns="" xmlns:a14="http://schemas.microsoft.com/office/drawing/2010/main" w="9525">
+                  <a14:hiddenLine xmlns:a14="http://schemas.microsoft.com/office/drawing/2010/main" xmlns="" w="9525">
                     <a:solidFill>
                       <a:srgbClr val="000000"/>
                     </a:solidFill>
@@ -10162,7 +10163,7 @@
               </a:ln>
               <a:extLst>
                 <a:ext uri="{91240B29-F687-4f45-9708-019B960494DF}">
-                  <a14:hiddenLine xmlns="" xmlns:a14="http://schemas.microsoft.com/office/drawing/2010/main" w="9525">
+                  <a14:hiddenLine xmlns:a14="http://schemas.microsoft.com/office/drawing/2010/main" xmlns="" w="9525">
                     <a:solidFill>
                       <a:srgbClr val="000000"/>
                     </a:solidFill>
@@ -10196,7 +10197,7 @@
               </a:ln>
               <a:extLst>
                 <a:ext uri="{91240B29-F687-4f45-9708-019B960494DF}">
-                  <a14:hiddenLine xmlns="" xmlns:a14="http://schemas.microsoft.com/office/drawing/2010/main" w="9525">
+                  <a14:hiddenLine xmlns:a14="http://schemas.microsoft.com/office/drawing/2010/main" xmlns="" w="9525">
                     <a:solidFill>
                       <a:srgbClr val="000000"/>
                     </a:solidFill>
@@ -10261,7 +10262,7 @@
               </a:ln>
               <a:extLst>
                 <a:ext uri="{91240B29-F687-4f45-9708-019B960494DF}">
-                  <a14:hiddenLine xmlns="" xmlns:a14="http://schemas.microsoft.com/office/drawing/2010/main" w="9525">
+                  <a14:hiddenLine xmlns:a14="http://schemas.microsoft.com/office/drawing/2010/main" xmlns="" w="9525">
                     <a:solidFill>
                       <a:srgbClr val="000000"/>
                     </a:solidFill>
@@ -10351,7 +10352,7 @@
               </a:ln>
               <a:extLst>
                 <a:ext uri="{91240B29-F687-4f45-9708-019B960494DF}">
-                  <a14:hiddenLine xmlns="" xmlns:a14="http://schemas.microsoft.com/office/drawing/2010/main" w="9525">
+                  <a14:hiddenLine xmlns:a14="http://schemas.microsoft.com/office/drawing/2010/main" xmlns="" w="9525">
                     <a:solidFill>
                       <a:srgbClr val="000000"/>
                     </a:solidFill>
@@ -10413,7 +10414,7 @@
               </a:ln>
               <a:extLst>
                 <a:ext uri="{91240B29-F687-4f45-9708-019B960494DF}">
-                  <a14:hiddenLine xmlns="" xmlns:a14="http://schemas.microsoft.com/office/drawing/2010/main" w="9525">
+                  <a14:hiddenLine xmlns:a14="http://schemas.microsoft.com/office/drawing/2010/main" xmlns="" w="9525">
                     <a:solidFill>
                       <a:srgbClr val="000000"/>
                     </a:solidFill>
@@ -10503,7 +10504,7 @@
               </a:ln>
               <a:extLst>
                 <a:ext uri="{91240B29-F687-4f45-9708-019B960494DF}">
-                  <a14:hiddenLine xmlns="" xmlns:a14="http://schemas.microsoft.com/office/drawing/2010/main" w="9525">
+                  <a14:hiddenLine xmlns:a14="http://schemas.microsoft.com/office/drawing/2010/main" xmlns="" w="9525">
                     <a:solidFill>
                       <a:srgbClr val="000000"/>
                     </a:solidFill>
@@ -10568,7 +10569,7 @@
               </a:ln>
               <a:extLst>
                 <a:ext uri="{91240B29-F687-4f45-9708-019B960494DF}">
-                  <a14:hiddenLine xmlns="" xmlns:a14="http://schemas.microsoft.com/office/drawing/2010/main" w="9525">
+                  <a14:hiddenLine xmlns:a14="http://schemas.microsoft.com/office/drawing/2010/main" xmlns="" w="9525">
                     <a:solidFill>
                       <a:srgbClr val="000000"/>
                     </a:solidFill>
@@ -10630,7 +10631,7 @@
               </a:ln>
               <a:extLst>
                 <a:ext uri="{91240B29-F687-4f45-9708-019B960494DF}">
-                  <a14:hiddenLine xmlns="" xmlns:a14="http://schemas.microsoft.com/office/drawing/2010/main" w="9525">
+                  <a14:hiddenLine xmlns:a14="http://schemas.microsoft.com/office/drawing/2010/main" xmlns="" w="9525">
                     <a:solidFill>
                       <a:srgbClr val="000000"/>
                     </a:solidFill>
@@ -10720,7 +10721,7 @@
               </a:ln>
               <a:extLst>
                 <a:ext uri="{91240B29-F687-4f45-9708-019B960494DF}">
-                  <a14:hiddenLine xmlns="" xmlns:a14="http://schemas.microsoft.com/office/drawing/2010/main" w="9525">
+                  <a14:hiddenLine xmlns:a14="http://schemas.microsoft.com/office/drawing/2010/main" xmlns="" w="9525">
                     <a:solidFill>
                       <a:srgbClr val="000000"/>
                     </a:solidFill>
@@ -10810,7 +10811,7 @@
               </a:ln>
               <a:extLst>
                 <a:ext uri="{91240B29-F687-4f45-9708-019B960494DF}">
-                  <a14:hiddenLine xmlns="" xmlns:a14="http://schemas.microsoft.com/office/drawing/2010/main" w="9525">
+                  <a14:hiddenLine xmlns:a14="http://schemas.microsoft.com/office/drawing/2010/main" xmlns="" w="9525">
                     <a:solidFill>
                       <a:srgbClr val="000000"/>
                     </a:solidFill>
@@ -10875,7 +10876,7 @@
               </a:ln>
               <a:extLst>
                 <a:ext uri="{91240B29-F687-4f45-9708-019B960494DF}">
-                  <a14:hiddenLine xmlns="" xmlns:a14="http://schemas.microsoft.com/office/drawing/2010/main" w="9525">
+                  <a14:hiddenLine xmlns:a14="http://schemas.microsoft.com/office/drawing/2010/main" xmlns="" w="9525">
                     <a:solidFill>
                       <a:srgbClr val="000000"/>
                     </a:solidFill>
@@ -10995,7 +10996,7 @@
               </a:ln>
               <a:extLst>
                 <a:ext uri="{91240B29-F687-4f45-9708-019B960494DF}">
-                  <a14:hiddenLine xmlns="" xmlns:a14="http://schemas.microsoft.com/office/drawing/2010/main" w="9525">
+                  <a14:hiddenLine xmlns:a14="http://schemas.microsoft.com/office/drawing/2010/main" xmlns="" w="9525">
                     <a:solidFill>
                       <a:srgbClr val="000000"/>
                     </a:solidFill>
@@ -11093,7 +11094,7 @@
               </a:ln>
               <a:extLst>
                 <a:ext uri="{91240B29-F687-4f45-9708-019B960494DF}">
-                  <a14:hiddenLine xmlns="" xmlns:a14="http://schemas.microsoft.com/office/drawing/2010/main" w="9525">
+                  <a14:hiddenLine xmlns:a14="http://schemas.microsoft.com/office/drawing/2010/main" xmlns="" w="9525">
                     <a:solidFill>
                       <a:srgbClr val="000000"/>
                     </a:solidFill>
@@ -11208,7 +11209,7 @@
               </a:ln>
               <a:extLst>
                 <a:ext uri="{91240B29-F687-4f45-9708-019B960494DF}">
-                  <a14:hiddenLine xmlns="" xmlns:a14="http://schemas.microsoft.com/office/drawing/2010/main" w="9525">
+                  <a14:hiddenLine xmlns:a14="http://schemas.microsoft.com/office/drawing/2010/main" xmlns="" w="9525">
                     <a:solidFill>
                       <a:srgbClr val="000000"/>
                     </a:solidFill>
@@ -11298,7 +11299,7 @@
               </a:ln>
               <a:extLst>
                 <a:ext uri="{91240B29-F687-4f45-9708-019B960494DF}">
-                  <a14:hiddenLine xmlns="" xmlns:a14="http://schemas.microsoft.com/office/drawing/2010/main" w="9525">
+                  <a14:hiddenLine xmlns:a14="http://schemas.microsoft.com/office/drawing/2010/main" xmlns="" w="9525">
                     <a:solidFill>
                       <a:srgbClr val="000000"/>
                     </a:solidFill>
@@ -11363,7 +11364,7 @@
               </a:ln>
               <a:extLst>
                 <a:ext uri="{91240B29-F687-4f45-9708-019B960494DF}">
-                  <a14:hiddenLine xmlns="" xmlns:a14="http://schemas.microsoft.com/office/drawing/2010/main" w="9525">
+                  <a14:hiddenLine xmlns:a14="http://schemas.microsoft.com/office/drawing/2010/main" xmlns="" w="9525">
                     <a:solidFill>
                       <a:srgbClr val="000000"/>
                     </a:solidFill>
@@ -11453,7 +11454,7 @@
               </a:ln>
               <a:extLst>
                 <a:ext uri="{91240B29-F687-4f45-9708-019B960494DF}">
-                  <a14:hiddenLine xmlns="" xmlns:a14="http://schemas.microsoft.com/office/drawing/2010/main" w="9525">
+                  <a14:hiddenLine xmlns:a14="http://schemas.microsoft.com/office/drawing/2010/main" xmlns="" w="9525">
                     <a:solidFill>
                       <a:srgbClr val="000000"/>
                     </a:solidFill>
@@ -11521,7 +11522,7 @@
               </a:ln>
               <a:extLst>
                 <a:ext uri="{91240B29-F687-4f45-9708-019B960494DF}">
-                  <a14:hiddenLine xmlns="" xmlns:a14="http://schemas.microsoft.com/office/drawing/2010/main" w="9525">
+                  <a14:hiddenLine xmlns:a14="http://schemas.microsoft.com/office/drawing/2010/main" xmlns="" w="9525">
                     <a:solidFill>
                       <a:srgbClr val="000000"/>
                     </a:solidFill>
@@ -11611,7 +11612,7 @@
               </a:ln>
               <a:extLst>
                 <a:ext uri="{91240B29-F687-4f45-9708-019B960494DF}">
-                  <a14:hiddenLine xmlns="" xmlns:a14="http://schemas.microsoft.com/office/drawing/2010/main" w="9525">
+                  <a14:hiddenLine xmlns:a14="http://schemas.microsoft.com/office/drawing/2010/main" xmlns="" w="9525">
                     <a:solidFill>
                       <a:srgbClr val="000000"/>
                     </a:solidFill>
@@ -11679,7 +11680,7 @@
               </a:ln>
               <a:extLst>
                 <a:ext uri="{91240B29-F687-4f45-9708-019B960494DF}">
-                  <a14:hiddenLine xmlns="" xmlns:a14="http://schemas.microsoft.com/office/drawing/2010/main" w="9525">
+                  <a14:hiddenLine xmlns:a14="http://schemas.microsoft.com/office/drawing/2010/main" xmlns="" w="9525">
                     <a:solidFill>
                       <a:srgbClr val="000000"/>
                     </a:solidFill>
@@ -11769,7 +11770,7 @@
               </a:ln>
               <a:extLst>
                 <a:ext uri="{91240B29-F687-4f45-9708-019B960494DF}">
-                  <a14:hiddenLine xmlns="" xmlns:a14="http://schemas.microsoft.com/office/drawing/2010/main" w="9525">
+                  <a14:hiddenLine xmlns:a14="http://schemas.microsoft.com/office/drawing/2010/main" xmlns="" w="9525">
                     <a:solidFill>
                       <a:srgbClr val="000000"/>
                     </a:solidFill>
@@ -11803,7 +11804,7 @@
               </a:ln>
               <a:extLst>
                 <a:ext uri="{91240B29-F687-4f45-9708-019B960494DF}">
-                  <a14:hiddenLine xmlns="" xmlns:a14="http://schemas.microsoft.com/office/drawing/2010/main" w="9525">
+                  <a14:hiddenLine xmlns:a14="http://schemas.microsoft.com/office/drawing/2010/main" xmlns="" w="9525">
                     <a:solidFill>
                       <a:srgbClr val="000000"/>
                     </a:solidFill>
@@ -11944,7 +11945,7 @@
             <a:fld id="{48A87A34-81AB-432B-8DAE-1953F412C126}" type="datetimeFigureOut">
               <a:rPr lang="en-US" dirty="0"/>
               <a:pPr/>
-              <a:t>2/1/2017</a:t>
+              <a:t>2/2/2017</a:t>
             </a:fld>
             <a:endParaRPr lang="en-US" dirty="0"/>
           </a:p>
@@ -12495,13 +12496,13 @@
           <a:p>
             <a:r>
               <a:rPr lang="en-US" dirty="0"/>
-              <a:t>movie review corpus:100-000 movie reviews </a:t>
+              <a:t>movie review corpus:100,000 movie reviews </a:t>
             </a:r>
           </a:p>
           <a:p>
             <a:r>
               <a:rPr lang="en-US" dirty="0"/>
-              <a:t>the size of vocabulary table reaches 89527</a:t>
+              <a:t>the size of vocabulary table reaches 89,527</a:t>
             </a:r>
           </a:p>
         </p:txBody>
@@ -12931,51 +12932,69 @@
                     <m:sSub>
                       <m:sSubPr>
                         <m:ctrlPr>
-                          <a:rPr lang="en-US" i="1" smtClean="0"/>
+                          <a:rPr lang="en-US" i="1" smtClean="0">
+                            <a:latin typeface="Cambria Math" panose="02040503050406030204" pitchFamily="18" charset="0"/>
+                          </a:rPr>
                         </m:ctrlPr>
                       </m:sSubPr>
                       <m:e>
                         <m:r>
-                          <a:rPr lang="en-US" i="1"/>
+                          <a:rPr lang="en-US" i="1">
+                            <a:latin typeface="Cambria Math" panose="02040503050406030204" pitchFamily="18" charset="0"/>
+                          </a:rPr>
                           <m:t>(</m:t>
                         </m:r>
                         <m:r>
-                          <a:rPr lang="en-US" i="1"/>
+                          <a:rPr lang="en-US" i="1">
+                            <a:latin typeface="Cambria Math" panose="02040503050406030204" pitchFamily="18" charset="0"/>
+                          </a:rPr>
                           <m:t>𝑉</m:t>
                         </m:r>
                       </m:e>
                       <m:sub>
                         <m:r>
-                          <a:rPr lang="en-US" i="1"/>
+                          <a:rPr lang="en-US" i="1">
+                            <a:latin typeface="Cambria Math" panose="02040503050406030204" pitchFamily="18" charset="0"/>
+                          </a:rPr>
                           <m:t>𝑘𝑖𝑛𝑔𝑠</m:t>
                         </m:r>
                       </m:sub>
                     </m:sSub>
                     <m:r>
-                      <a:rPr lang="en-US" i="1"/>
+                      <a:rPr lang="en-US" i="1">
+                        <a:latin typeface="Cambria Math" panose="02040503050406030204" pitchFamily="18" charset="0"/>
+                      </a:rPr>
                       <m:t>− </m:t>
                     </m:r>
                     <m:sSub>
                       <m:sSubPr>
                         <m:ctrlPr>
-                          <a:rPr lang="en-US" i="1"/>
+                          <a:rPr lang="en-US" i="1">
+                            <a:latin typeface="Cambria Math" panose="02040503050406030204" pitchFamily="18" charset="0"/>
+                          </a:rPr>
                         </m:ctrlPr>
                       </m:sSubPr>
                       <m:e>
                         <m:r>
-                          <a:rPr lang="en-US" i="1"/>
+                          <a:rPr lang="en-US" i="1">
+                            <a:latin typeface="Cambria Math" panose="02040503050406030204" pitchFamily="18" charset="0"/>
+                          </a:rPr>
                           <m:t>𝑉</m:t>
                         </m:r>
                       </m:e>
                       <m:sub>
                         <m:r>
-                          <a:rPr lang="en-US" i="1"/>
+                          <a:rPr lang="en-US" i="1">
+                            <a:latin typeface="Cambria Math" panose="02040503050406030204" pitchFamily="18" charset="0"/>
+                          </a:rPr>
                           <m:t>𝑘𝑖𝑛𝑔</m:t>
                         </m:r>
                       </m:sub>
                     </m:sSub>
                     <m:r>
-                      <a:rPr lang="en-US" i="1"/>
+                      <a:rPr lang="en-US" i="1">
+                        <a:latin typeface="Cambria Math" panose="02040503050406030204" pitchFamily="18" charset="0"/>
+                      </a:rPr>
                       <m:t>)</m:t>
                     </m:r>
                   </m:oMath>
@@ -12989,51 +13008,69 @@
                     <m:sSub>
                       <m:sSubPr>
                         <m:ctrlPr>
-                          <a:rPr lang="en-US" i="1"/>
+                          <a:rPr lang="en-US" i="1">
+                            <a:latin typeface="Cambria Math" panose="02040503050406030204" pitchFamily="18" charset="0"/>
+                          </a:rPr>
                         </m:ctrlPr>
                       </m:sSubPr>
                       <m:e>
                         <m:r>
-                          <a:rPr lang="en-US" i="1"/>
+                          <a:rPr lang="en-US" i="1">
+                            <a:latin typeface="Cambria Math" panose="02040503050406030204" pitchFamily="18" charset="0"/>
+                          </a:rPr>
                           <m:t>(</m:t>
                         </m:r>
                         <m:r>
-                          <a:rPr lang="en-US" i="1"/>
+                          <a:rPr lang="en-US" i="1">
+                            <a:latin typeface="Cambria Math" panose="02040503050406030204" pitchFamily="18" charset="0"/>
+                          </a:rPr>
                           <m:t>𝑉</m:t>
                         </m:r>
                       </m:e>
                       <m:sub>
                         <m:r>
-                          <a:rPr lang="en-US" i="1"/>
+                          <a:rPr lang="en-US" i="1">
+                            <a:latin typeface="Cambria Math" panose="02040503050406030204" pitchFamily="18" charset="0"/>
+                          </a:rPr>
                           <m:t>𝑞𝑢𝑒𝑒𝑛𝑠</m:t>
                         </m:r>
                       </m:sub>
                     </m:sSub>
                     <m:r>
-                      <a:rPr lang="en-US" i="1"/>
+                      <a:rPr lang="en-US" i="1">
+                        <a:latin typeface="Cambria Math" panose="02040503050406030204" pitchFamily="18" charset="0"/>
+                      </a:rPr>
                       <m:t>− </m:t>
                     </m:r>
                     <m:sSub>
                       <m:sSubPr>
                         <m:ctrlPr>
-                          <a:rPr lang="en-US" i="1"/>
+                          <a:rPr lang="en-US" i="1">
+                            <a:latin typeface="Cambria Math" panose="02040503050406030204" pitchFamily="18" charset="0"/>
+                          </a:rPr>
                         </m:ctrlPr>
                       </m:sSubPr>
                       <m:e>
                         <m:r>
-                          <a:rPr lang="en-US" i="1"/>
+                          <a:rPr lang="en-US" i="1">
+                            <a:latin typeface="Cambria Math" panose="02040503050406030204" pitchFamily="18" charset="0"/>
+                          </a:rPr>
                           <m:t>𝑉</m:t>
                         </m:r>
                       </m:e>
                       <m:sub>
                         <m:r>
-                          <a:rPr lang="en-US" i="1"/>
+                          <a:rPr lang="en-US" i="1">
+                            <a:latin typeface="Cambria Math" panose="02040503050406030204" pitchFamily="18" charset="0"/>
+                          </a:rPr>
                           <m:t>𝑞𝑢𝑒𝑒𝑛</m:t>
                         </m:r>
                       </m:sub>
                     </m:sSub>
                     <m:r>
-                      <a:rPr lang="en-US" i="1"/>
+                      <a:rPr lang="en-US" i="1">
+                        <a:latin typeface="Cambria Math" panose="02040503050406030204" pitchFamily="18" charset="0"/>
+                      </a:rPr>
                       <m:t>)</m:t>
                     </m:r>
                   </m:oMath>
@@ -13055,12 +13092,21 @@
               </a:p>
               <a:p>
                 <a:pPr lvl="1"/>
+                <a:r>
+                  <a:rPr lang="en-US" dirty="0"/>
+                  <a:t>king : kings vs. queen : queens</a:t>
+                </a:r>
+              </a:p>
+              <a:p>
+                <a:pPr lvl="1"/>
                 <a14:m>
                   <m:oMath xmlns:m="http://schemas.openxmlformats.org/officeDocument/2006/math">
                     <m:func>
                       <m:funcPr>
                         <m:ctrlPr>
-                          <a:rPr lang="en-US" i="1"/>
+                          <a:rPr lang="en-US" i="1">
+                            <a:latin typeface="Cambria Math" panose="02040503050406030204" pitchFamily="18" charset="0"/>
+                          </a:rPr>
                         </m:ctrlPr>
                       </m:funcPr>
                       <m:fName>
@@ -13068,30 +13114,40 @@
                           <m:rPr>
                             <m:sty m:val="p"/>
                           </m:rPr>
-                          <a:rPr lang="en-US"/>
+                          <a:rPr lang="en-US">
+                            <a:latin typeface="Cambria Math" panose="02040503050406030204" pitchFamily="18" charset="0"/>
+                          </a:rPr>
                           <m:t>cos</m:t>
                         </m:r>
                       </m:fName>
                       <m:e>
                         <m:r>
-                          <a:rPr lang="en-US" i="1"/>
+                          <a:rPr lang="en-US" i="1">
+                            <a:latin typeface="Cambria Math" panose="02040503050406030204" pitchFamily="18" charset="0"/>
+                          </a:rPr>
                           <m:t>(</m:t>
                         </m:r>
                         <m:sSub>
                           <m:sSubPr>
                             <m:ctrlPr>
-                              <a:rPr lang="en-US" i="1"/>
+                              <a:rPr lang="en-US" i="1">
+                                <a:latin typeface="Cambria Math" panose="02040503050406030204" pitchFamily="18" charset="0"/>
+                              </a:rPr>
                             </m:ctrlPr>
                           </m:sSubPr>
                           <m:e>
                             <m:r>
-                              <a:rPr lang="en-US" i="1"/>
+                              <a:rPr lang="en-US" i="1">
+                                <a:latin typeface="Cambria Math" panose="02040503050406030204" pitchFamily="18" charset="0"/>
+                              </a:rPr>
                               <m:t>𝑉</m:t>
                             </m:r>
                           </m:e>
                           <m:sub>
                             <m:r>
-                              <a:rPr lang="en-US" i="1"/>
+                              <a:rPr lang="en-US" i="1">
+                                <a:latin typeface="Cambria Math" panose="02040503050406030204" pitchFamily="18" charset="0"/>
+                              </a:rPr>
                               <m:t>𝑏</m:t>
                             </m:r>
                           </m:sub>
@@ -13099,80 +13155,108 @@
                       </m:e>
                     </m:func>
                     <m:r>
-                      <a:rPr lang="en-US" i="1"/>
+                      <a:rPr lang="en-US" i="1">
+                        <a:latin typeface="Cambria Math" panose="02040503050406030204" pitchFamily="18" charset="0"/>
+                      </a:rPr>
                       <m:t>−</m:t>
                     </m:r>
                     <m:sSub>
                       <m:sSubPr>
                         <m:ctrlPr>
-                          <a:rPr lang="en-US" i="1"/>
+                          <a:rPr lang="en-US" i="1">
+                            <a:latin typeface="Cambria Math" panose="02040503050406030204" pitchFamily="18" charset="0"/>
+                          </a:rPr>
                         </m:ctrlPr>
                       </m:sSubPr>
                       <m:e>
                         <m:r>
-                          <a:rPr lang="en-US" i="1"/>
+                          <a:rPr lang="en-US" i="1">
+                            <a:latin typeface="Cambria Math" panose="02040503050406030204" pitchFamily="18" charset="0"/>
+                          </a:rPr>
                           <m:t>𝑉</m:t>
                         </m:r>
                       </m:e>
                       <m:sub>
                         <m:r>
-                          <a:rPr lang="en-US" i="1"/>
+                          <a:rPr lang="en-US" i="1">
+                            <a:latin typeface="Cambria Math" panose="02040503050406030204" pitchFamily="18" charset="0"/>
+                          </a:rPr>
                           <m:t>𝑎</m:t>
                         </m:r>
                       </m:sub>
                     </m:sSub>
                     <m:r>
-                      <a:rPr lang="en-US" i="1"/>
-                      <m:t>+ </m:t>
+                      <a:rPr lang="en-US" i="1">
+                        <a:latin typeface="Cambria Math" panose="02040503050406030204" pitchFamily="18" charset="0"/>
+                      </a:rPr>
+                      <m:t> </m:t>
+                    </m:r>
+                    <m:r>
+                      <a:rPr lang="en-US">
+                        <a:latin typeface="Cambria Math" panose="02040503050406030204" pitchFamily="18" charset="0"/>
+                      </a:rPr>
+                      <m:t>, </m:t>
                     </m:r>
                     <m:sSub>
                       <m:sSubPr>
                         <m:ctrlPr>
-                          <a:rPr lang="en-US" i="1"/>
+                          <a:rPr lang="en-US" i="1">
+                            <a:latin typeface="Cambria Math" panose="02040503050406030204" pitchFamily="18" charset="0"/>
+                          </a:rPr>
                         </m:ctrlPr>
                       </m:sSubPr>
                       <m:e>
                         <m:r>
-                          <a:rPr lang="en-US" i="1"/>
+                          <a:rPr lang="en-US" i="1">
+                            <a:latin typeface="Cambria Math" panose="02040503050406030204" pitchFamily="18" charset="0"/>
+                          </a:rPr>
                           <m:t>𝑉</m:t>
                         </m:r>
                       </m:e>
                       <m:sub>
                         <m:r>
-                          <a:rPr lang="en-US" i="1"/>
+                          <a:rPr lang="en-US" i="1">
+                            <a:latin typeface="Cambria Math" panose="02040503050406030204" pitchFamily="18" charset="0"/>
+                          </a:rPr>
+                          <m:t>𝑑</m:t>
+                        </m:r>
+                      </m:sub>
+                    </m:sSub>
+                    <m:r>
+                      <a:rPr lang="en-US" b="0" i="1" smtClean="0">
+                        <a:latin typeface="Cambria Math" panose="02040503050406030204" pitchFamily="18" charset="0"/>
+                      </a:rPr>
+                      <m:t> −</m:t>
+                    </m:r>
+                    <m:sSub>
+                      <m:sSubPr>
+                        <m:ctrlPr>
+                          <a:rPr lang="en-US" i="1">
+                            <a:latin typeface="Cambria Math" panose="02040503050406030204" pitchFamily="18" charset="0"/>
+                          </a:rPr>
+                        </m:ctrlPr>
+                      </m:sSubPr>
+                      <m:e>
+                        <m:r>
+                          <a:rPr lang="en-US" i="1">
+                            <a:latin typeface="Cambria Math" panose="02040503050406030204" pitchFamily="18" charset="0"/>
+                          </a:rPr>
+                          <m:t>𝑉</m:t>
+                        </m:r>
+                      </m:e>
+                      <m:sub>
+                        <m:r>
+                          <a:rPr lang="en-US" i="1">
+                            <a:latin typeface="Cambria Math" panose="02040503050406030204" pitchFamily="18" charset="0"/>
+                          </a:rPr>
                           <m:t>𝑐</m:t>
                         </m:r>
                       </m:sub>
                     </m:sSub>
                     <m:r>
-                      <a:rPr lang="en-US" i="1"/>
-                      <m:t> </m:t>
-                    </m:r>
-                    <m:r>
-                      <a:rPr lang="en-US"/>
-                      <m:t>, </m:t>
-                    </m:r>
-                    <m:sSub>
-                      <m:sSubPr>
-                        <m:ctrlPr>
-                          <a:rPr lang="en-US" i="1"/>
-                        </m:ctrlPr>
-                      </m:sSubPr>
-                      <m:e>
-                        <m:r>
-                          <a:rPr lang="en-US" i="1"/>
-                          <m:t>𝑉</m:t>
-                        </m:r>
-                      </m:e>
-                      <m:sub>
-                        <m:r>
-                          <a:rPr lang="en-US" i="1"/>
-                          <m:t>𝑑</m:t>
-                        </m:r>
-                      </m:sub>
-                    </m:sSub>
-                    <m:r>
-                      <a:rPr lang="en-US" i="1"/>
+                      <a:rPr lang="en-US" i="1">
+                        <a:latin typeface="Cambria Math" panose="02040503050406030204" pitchFamily="18" charset="0"/>
+                      </a:rPr>
                       <m:t>)</m:t>
                     </m:r>
                   </m:oMath>
@@ -13180,54 +13264,6 @@
                 <a:r>
                   <a:rPr lang="en-US" dirty="0"/>
                   <a:t> should be near to one </a:t>
-                </a:r>
-              </a:p>
-              <a:p>
-                <a:r>
-                  <a:rPr lang="en-US" dirty="0"/>
-                  <a:t>The test set contains 19558 questions</a:t>
-                </a:r>
-              </a:p>
-              <a:p>
-                <a:pPr lvl="1"/>
-                <a:r>
-                  <a:rPr lang="en-US" dirty="0"/>
-                  <a:t>14 categories </a:t>
-                </a:r>
-              </a:p>
-              <a:p>
-                <a:pPr lvl="1"/>
-                <a:r>
-                  <a:rPr lang="en-US" dirty="0"/>
-                  <a:t>capital-common-countries, capital-world</a:t>
-                </a:r>
-              </a:p>
-              <a:p>
-                <a:pPr lvl="1"/>
-                <a:r>
-                  <a:rPr lang="en-US" dirty="0"/>
-                  <a:t>currency, city-in-state, family, gram1-adjective-to-adverb</a:t>
-                </a:r>
-              </a:p>
-              <a:p>
-                <a:pPr lvl="1"/>
-                <a:r>
-                  <a:rPr lang="en-US" dirty="0"/>
-                  <a:t>gram2-opposite, gram3-comparative, gram4-superlative</a:t>
-                </a:r>
-              </a:p>
-              <a:p>
-                <a:pPr lvl="1"/>
-                <a:r>
-                  <a:rPr lang="en-US" dirty="0"/>
-                  <a:t>gram5-present-participle, gram6-nationality-adjective</a:t>
-                </a:r>
-              </a:p>
-              <a:p>
-                <a:pPr lvl="1"/>
-                <a:r>
-                  <a:rPr lang="en-US" dirty="0"/>
-                  <a:t>gram7-past-tense, gram8-plural and gram9-plural-verbs </a:t>
                 </a:r>
               </a:p>
             </p:txBody>
@@ -13292,7 +13328,7 @@
         </p:blipFill>
         <p:spPr bwMode="auto">
           <a:xfrm>
-            <a:off x="6506025" y="823051"/>
+            <a:off x="6421184" y="2397327"/>
             <a:ext cx="5625873" cy="4378293"/>
           </a:xfrm>
           <a:prstGeom prst="rect">
@@ -13791,33 +13827,15 @@
                                   </p:childTnLst>
                                 </p:cTn>
                               </p:par>
-                            </p:childTnLst>
-                          </p:cTn>
-                        </p:par>
-                      </p:childTnLst>
-                    </p:cTn>
-                  </p:par>
-                  <p:par>
-                    <p:cTn id="30" fill="hold">
-                      <p:stCondLst>
-                        <p:cond delay="indefinite"/>
-                      </p:stCondLst>
-                      <p:childTnLst>
-                        <p:par>
-                          <p:cTn id="31" fill="hold">
-                            <p:stCondLst>
-                              <p:cond delay="0"/>
-                            </p:stCondLst>
-                            <p:childTnLst>
                               <p:par>
-                                <p:cTn id="32" presetID="2" presetClass="entr" presetSubtype="4" fill="hold" grpId="0" nodeType="clickEffect">
+                                <p:cTn id="30" presetID="2" presetClass="entr" presetSubtype="4" fill="hold" grpId="0" nodeType="withEffect">
                                   <p:stCondLst>
                                     <p:cond delay="0"/>
                                   </p:stCondLst>
                                   <p:childTnLst>
                                     <p:set>
                                       <p:cBhvr>
-                                        <p:cTn id="33" dur="1" fill="hold">
+                                        <p:cTn id="31" dur="1" fill="hold">
                                           <p:stCondLst>
                                             <p:cond delay="0"/>
                                           </p:stCondLst>
@@ -13839,7 +13857,7 @@
                                     </p:set>
                                     <p:anim calcmode="lin" valueType="num">
                                       <p:cBhvr additive="base">
-                                        <p:cTn id="34" dur="500" fill="hold"/>
+                                        <p:cTn id="32" dur="500" fill="hold"/>
                                         <p:tgtEl>
                                           <p:spTgt spid="3">
                                             <p:txEl>
@@ -13866,521 +13884,11 @@
                                     </p:anim>
                                     <p:anim calcmode="lin" valueType="num">
                                       <p:cBhvr additive="base">
-                                        <p:cTn id="35" dur="500" fill="hold"/>
+                                        <p:cTn id="33" dur="500" fill="hold"/>
                                         <p:tgtEl>
                                           <p:spTgt spid="3">
                                             <p:txEl>
                                               <p:pRg st="4" end="4"/>
-                                            </p:txEl>
-                                          </p:spTgt>
-                                        </p:tgtEl>
-                                        <p:attrNameLst>
-                                          <p:attrName>ppt_y</p:attrName>
-                                        </p:attrNameLst>
-                                      </p:cBhvr>
-                                      <p:tavLst>
-                                        <p:tav tm="0">
-                                          <p:val>
-                                            <p:strVal val="1+#ppt_h/2"/>
-                                          </p:val>
-                                        </p:tav>
-                                        <p:tav tm="100000">
-                                          <p:val>
-                                            <p:strVal val="#ppt_y"/>
-                                          </p:val>
-                                        </p:tav>
-                                      </p:tavLst>
-                                    </p:anim>
-                                  </p:childTnLst>
-                                </p:cTn>
-                              </p:par>
-                              <p:par>
-                                <p:cTn id="36" presetID="2" presetClass="entr" presetSubtype="4" fill="hold" grpId="0" nodeType="withEffect">
-                                  <p:stCondLst>
-                                    <p:cond delay="0"/>
-                                  </p:stCondLst>
-                                  <p:childTnLst>
-                                    <p:set>
-                                      <p:cBhvr>
-                                        <p:cTn id="37" dur="1" fill="hold">
-                                          <p:stCondLst>
-                                            <p:cond delay="0"/>
-                                          </p:stCondLst>
-                                        </p:cTn>
-                                        <p:tgtEl>
-                                          <p:spTgt spid="3">
-                                            <p:txEl>
-                                              <p:pRg st="5" end="5"/>
-                                            </p:txEl>
-                                          </p:spTgt>
-                                        </p:tgtEl>
-                                        <p:attrNameLst>
-                                          <p:attrName>style.visibility</p:attrName>
-                                        </p:attrNameLst>
-                                      </p:cBhvr>
-                                      <p:to>
-                                        <p:strVal val="visible"/>
-                                      </p:to>
-                                    </p:set>
-                                    <p:anim calcmode="lin" valueType="num">
-                                      <p:cBhvr additive="base">
-                                        <p:cTn id="38" dur="500" fill="hold"/>
-                                        <p:tgtEl>
-                                          <p:spTgt spid="3">
-                                            <p:txEl>
-                                              <p:pRg st="5" end="5"/>
-                                            </p:txEl>
-                                          </p:spTgt>
-                                        </p:tgtEl>
-                                        <p:attrNameLst>
-                                          <p:attrName>ppt_x</p:attrName>
-                                        </p:attrNameLst>
-                                      </p:cBhvr>
-                                      <p:tavLst>
-                                        <p:tav tm="0">
-                                          <p:val>
-                                            <p:strVal val="#ppt_x"/>
-                                          </p:val>
-                                        </p:tav>
-                                        <p:tav tm="100000">
-                                          <p:val>
-                                            <p:strVal val="#ppt_x"/>
-                                          </p:val>
-                                        </p:tav>
-                                      </p:tavLst>
-                                    </p:anim>
-                                    <p:anim calcmode="lin" valueType="num">
-                                      <p:cBhvr additive="base">
-                                        <p:cTn id="39" dur="500" fill="hold"/>
-                                        <p:tgtEl>
-                                          <p:spTgt spid="3">
-                                            <p:txEl>
-                                              <p:pRg st="5" end="5"/>
-                                            </p:txEl>
-                                          </p:spTgt>
-                                        </p:tgtEl>
-                                        <p:attrNameLst>
-                                          <p:attrName>ppt_y</p:attrName>
-                                        </p:attrNameLst>
-                                      </p:cBhvr>
-                                      <p:tavLst>
-                                        <p:tav tm="0">
-                                          <p:val>
-                                            <p:strVal val="1+#ppt_h/2"/>
-                                          </p:val>
-                                        </p:tav>
-                                        <p:tav tm="100000">
-                                          <p:val>
-                                            <p:strVal val="#ppt_y"/>
-                                          </p:val>
-                                        </p:tav>
-                                      </p:tavLst>
-                                    </p:anim>
-                                  </p:childTnLst>
-                                </p:cTn>
-                              </p:par>
-                              <p:par>
-                                <p:cTn id="40" presetID="2" presetClass="entr" presetSubtype="4" fill="hold" grpId="0" nodeType="withEffect">
-                                  <p:stCondLst>
-                                    <p:cond delay="0"/>
-                                  </p:stCondLst>
-                                  <p:childTnLst>
-                                    <p:set>
-                                      <p:cBhvr>
-                                        <p:cTn id="41" dur="1" fill="hold">
-                                          <p:stCondLst>
-                                            <p:cond delay="0"/>
-                                          </p:stCondLst>
-                                        </p:cTn>
-                                        <p:tgtEl>
-                                          <p:spTgt spid="3">
-                                            <p:txEl>
-                                              <p:pRg st="7" end="7"/>
-                                            </p:txEl>
-                                          </p:spTgt>
-                                        </p:tgtEl>
-                                        <p:attrNameLst>
-                                          <p:attrName>style.visibility</p:attrName>
-                                        </p:attrNameLst>
-                                      </p:cBhvr>
-                                      <p:to>
-                                        <p:strVal val="visible"/>
-                                      </p:to>
-                                    </p:set>
-                                    <p:anim calcmode="lin" valueType="num">
-                                      <p:cBhvr additive="base">
-                                        <p:cTn id="42" dur="500" fill="hold"/>
-                                        <p:tgtEl>
-                                          <p:spTgt spid="3">
-                                            <p:txEl>
-                                              <p:pRg st="7" end="7"/>
-                                            </p:txEl>
-                                          </p:spTgt>
-                                        </p:tgtEl>
-                                        <p:attrNameLst>
-                                          <p:attrName>ppt_x</p:attrName>
-                                        </p:attrNameLst>
-                                      </p:cBhvr>
-                                      <p:tavLst>
-                                        <p:tav tm="0">
-                                          <p:val>
-                                            <p:strVal val="#ppt_x"/>
-                                          </p:val>
-                                        </p:tav>
-                                        <p:tav tm="100000">
-                                          <p:val>
-                                            <p:strVal val="#ppt_x"/>
-                                          </p:val>
-                                        </p:tav>
-                                      </p:tavLst>
-                                    </p:anim>
-                                    <p:anim calcmode="lin" valueType="num">
-                                      <p:cBhvr additive="base">
-                                        <p:cTn id="43" dur="500" fill="hold"/>
-                                        <p:tgtEl>
-                                          <p:spTgt spid="3">
-                                            <p:txEl>
-                                              <p:pRg st="7" end="7"/>
-                                            </p:txEl>
-                                          </p:spTgt>
-                                        </p:tgtEl>
-                                        <p:attrNameLst>
-                                          <p:attrName>ppt_y</p:attrName>
-                                        </p:attrNameLst>
-                                      </p:cBhvr>
-                                      <p:tavLst>
-                                        <p:tav tm="0">
-                                          <p:val>
-                                            <p:strVal val="1+#ppt_h/2"/>
-                                          </p:val>
-                                        </p:tav>
-                                        <p:tav tm="100000">
-                                          <p:val>
-                                            <p:strVal val="#ppt_y"/>
-                                          </p:val>
-                                        </p:tav>
-                                      </p:tavLst>
-                                    </p:anim>
-                                  </p:childTnLst>
-                                </p:cTn>
-                              </p:par>
-                              <p:par>
-                                <p:cTn id="44" presetID="2" presetClass="entr" presetSubtype="4" fill="hold" grpId="0" nodeType="withEffect">
-                                  <p:stCondLst>
-                                    <p:cond delay="0"/>
-                                  </p:stCondLst>
-                                  <p:childTnLst>
-                                    <p:set>
-                                      <p:cBhvr>
-                                        <p:cTn id="45" dur="1" fill="hold">
-                                          <p:stCondLst>
-                                            <p:cond delay="0"/>
-                                          </p:stCondLst>
-                                        </p:cTn>
-                                        <p:tgtEl>
-                                          <p:spTgt spid="3">
-                                            <p:txEl>
-                                              <p:pRg st="8" end="8"/>
-                                            </p:txEl>
-                                          </p:spTgt>
-                                        </p:tgtEl>
-                                        <p:attrNameLst>
-                                          <p:attrName>style.visibility</p:attrName>
-                                        </p:attrNameLst>
-                                      </p:cBhvr>
-                                      <p:to>
-                                        <p:strVal val="visible"/>
-                                      </p:to>
-                                    </p:set>
-                                    <p:anim calcmode="lin" valueType="num">
-                                      <p:cBhvr additive="base">
-                                        <p:cTn id="46" dur="500" fill="hold"/>
-                                        <p:tgtEl>
-                                          <p:spTgt spid="3">
-                                            <p:txEl>
-                                              <p:pRg st="8" end="8"/>
-                                            </p:txEl>
-                                          </p:spTgt>
-                                        </p:tgtEl>
-                                        <p:attrNameLst>
-                                          <p:attrName>ppt_x</p:attrName>
-                                        </p:attrNameLst>
-                                      </p:cBhvr>
-                                      <p:tavLst>
-                                        <p:tav tm="0">
-                                          <p:val>
-                                            <p:strVal val="#ppt_x"/>
-                                          </p:val>
-                                        </p:tav>
-                                        <p:tav tm="100000">
-                                          <p:val>
-                                            <p:strVal val="#ppt_x"/>
-                                          </p:val>
-                                        </p:tav>
-                                      </p:tavLst>
-                                    </p:anim>
-                                    <p:anim calcmode="lin" valueType="num">
-                                      <p:cBhvr additive="base">
-                                        <p:cTn id="47" dur="500" fill="hold"/>
-                                        <p:tgtEl>
-                                          <p:spTgt spid="3">
-                                            <p:txEl>
-                                              <p:pRg st="8" end="8"/>
-                                            </p:txEl>
-                                          </p:spTgt>
-                                        </p:tgtEl>
-                                        <p:attrNameLst>
-                                          <p:attrName>ppt_y</p:attrName>
-                                        </p:attrNameLst>
-                                      </p:cBhvr>
-                                      <p:tavLst>
-                                        <p:tav tm="0">
-                                          <p:val>
-                                            <p:strVal val="1+#ppt_h/2"/>
-                                          </p:val>
-                                        </p:tav>
-                                        <p:tav tm="100000">
-                                          <p:val>
-                                            <p:strVal val="#ppt_y"/>
-                                          </p:val>
-                                        </p:tav>
-                                      </p:tavLst>
-                                    </p:anim>
-                                  </p:childTnLst>
-                                </p:cTn>
-                              </p:par>
-                              <p:par>
-                                <p:cTn id="48" presetID="2" presetClass="entr" presetSubtype="4" fill="hold" grpId="0" nodeType="withEffect">
-                                  <p:stCondLst>
-                                    <p:cond delay="0"/>
-                                  </p:stCondLst>
-                                  <p:childTnLst>
-                                    <p:set>
-                                      <p:cBhvr>
-                                        <p:cTn id="49" dur="1" fill="hold">
-                                          <p:stCondLst>
-                                            <p:cond delay="0"/>
-                                          </p:stCondLst>
-                                        </p:cTn>
-                                        <p:tgtEl>
-                                          <p:spTgt spid="3">
-                                            <p:txEl>
-                                              <p:pRg st="6" end="6"/>
-                                            </p:txEl>
-                                          </p:spTgt>
-                                        </p:tgtEl>
-                                        <p:attrNameLst>
-                                          <p:attrName>style.visibility</p:attrName>
-                                        </p:attrNameLst>
-                                      </p:cBhvr>
-                                      <p:to>
-                                        <p:strVal val="visible"/>
-                                      </p:to>
-                                    </p:set>
-                                    <p:anim calcmode="lin" valueType="num">
-                                      <p:cBhvr additive="base">
-                                        <p:cTn id="50" dur="500" fill="hold"/>
-                                        <p:tgtEl>
-                                          <p:spTgt spid="3">
-                                            <p:txEl>
-                                              <p:pRg st="6" end="6"/>
-                                            </p:txEl>
-                                          </p:spTgt>
-                                        </p:tgtEl>
-                                        <p:attrNameLst>
-                                          <p:attrName>ppt_x</p:attrName>
-                                        </p:attrNameLst>
-                                      </p:cBhvr>
-                                      <p:tavLst>
-                                        <p:tav tm="0">
-                                          <p:val>
-                                            <p:strVal val="#ppt_x"/>
-                                          </p:val>
-                                        </p:tav>
-                                        <p:tav tm="100000">
-                                          <p:val>
-                                            <p:strVal val="#ppt_x"/>
-                                          </p:val>
-                                        </p:tav>
-                                      </p:tavLst>
-                                    </p:anim>
-                                    <p:anim calcmode="lin" valueType="num">
-                                      <p:cBhvr additive="base">
-                                        <p:cTn id="51" dur="500" fill="hold"/>
-                                        <p:tgtEl>
-                                          <p:spTgt spid="3">
-                                            <p:txEl>
-                                              <p:pRg st="6" end="6"/>
-                                            </p:txEl>
-                                          </p:spTgt>
-                                        </p:tgtEl>
-                                        <p:attrNameLst>
-                                          <p:attrName>ppt_y</p:attrName>
-                                        </p:attrNameLst>
-                                      </p:cBhvr>
-                                      <p:tavLst>
-                                        <p:tav tm="0">
-                                          <p:val>
-                                            <p:strVal val="1+#ppt_h/2"/>
-                                          </p:val>
-                                        </p:tav>
-                                        <p:tav tm="100000">
-                                          <p:val>
-                                            <p:strVal val="#ppt_y"/>
-                                          </p:val>
-                                        </p:tav>
-                                      </p:tavLst>
-                                    </p:anim>
-                                  </p:childTnLst>
-                                </p:cTn>
-                              </p:par>
-                              <p:par>
-                                <p:cTn id="52" presetID="2" presetClass="entr" presetSubtype="4" fill="hold" grpId="0" nodeType="withEffect">
-                                  <p:stCondLst>
-                                    <p:cond delay="0"/>
-                                  </p:stCondLst>
-                                  <p:childTnLst>
-                                    <p:set>
-                                      <p:cBhvr>
-                                        <p:cTn id="53" dur="1" fill="hold">
-                                          <p:stCondLst>
-                                            <p:cond delay="0"/>
-                                          </p:stCondLst>
-                                        </p:cTn>
-                                        <p:tgtEl>
-                                          <p:spTgt spid="3">
-                                            <p:txEl>
-                                              <p:pRg st="9" end="9"/>
-                                            </p:txEl>
-                                          </p:spTgt>
-                                        </p:tgtEl>
-                                        <p:attrNameLst>
-                                          <p:attrName>style.visibility</p:attrName>
-                                        </p:attrNameLst>
-                                      </p:cBhvr>
-                                      <p:to>
-                                        <p:strVal val="visible"/>
-                                      </p:to>
-                                    </p:set>
-                                    <p:anim calcmode="lin" valueType="num">
-                                      <p:cBhvr additive="base">
-                                        <p:cTn id="54" dur="500" fill="hold"/>
-                                        <p:tgtEl>
-                                          <p:spTgt spid="3">
-                                            <p:txEl>
-                                              <p:pRg st="9" end="9"/>
-                                            </p:txEl>
-                                          </p:spTgt>
-                                        </p:tgtEl>
-                                        <p:attrNameLst>
-                                          <p:attrName>ppt_x</p:attrName>
-                                        </p:attrNameLst>
-                                      </p:cBhvr>
-                                      <p:tavLst>
-                                        <p:tav tm="0">
-                                          <p:val>
-                                            <p:strVal val="#ppt_x"/>
-                                          </p:val>
-                                        </p:tav>
-                                        <p:tav tm="100000">
-                                          <p:val>
-                                            <p:strVal val="#ppt_x"/>
-                                          </p:val>
-                                        </p:tav>
-                                      </p:tavLst>
-                                    </p:anim>
-                                    <p:anim calcmode="lin" valueType="num">
-                                      <p:cBhvr additive="base">
-                                        <p:cTn id="55" dur="500" fill="hold"/>
-                                        <p:tgtEl>
-                                          <p:spTgt spid="3">
-                                            <p:txEl>
-                                              <p:pRg st="9" end="9"/>
-                                            </p:txEl>
-                                          </p:spTgt>
-                                        </p:tgtEl>
-                                        <p:attrNameLst>
-                                          <p:attrName>ppt_y</p:attrName>
-                                        </p:attrNameLst>
-                                      </p:cBhvr>
-                                      <p:tavLst>
-                                        <p:tav tm="0">
-                                          <p:val>
-                                            <p:strVal val="1+#ppt_h/2"/>
-                                          </p:val>
-                                        </p:tav>
-                                        <p:tav tm="100000">
-                                          <p:val>
-                                            <p:strVal val="#ppt_y"/>
-                                          </p:val>
-                                        </p:tav>
-                                      </p:tavLst>
-                                    </p:anim>
-                                  </p:childTnLst>
-                                </p:cTn>
-                              </p:par>
-                              <p:par>
-                                <p:cTn id="56" presetID="2" presetClass="entr" presetSubtype="4" fill="hold" grpId="0" nodeType="withEffect">
-                                  <p:stCondLst>
-                                    <p:cond delay="0"/>
-                                  </p:stCondLst>
-                                  <p:childTnLst>
-                                    <p:set>
-                                      <p:cBhvr>
-                                        <p:cTn id="57" dur="1" fill="hold">
-                                          <p:stCondLst>
-                                            <p:cond delay="0"/>
-                                          </p:stCondLst>
-                                        </p:cTn>
-                                        <p:tgtEl>
-                                          <p:spTgt spid="3">
-                                            <p:txEl>
-                                              <p:pRg st="10" end="10"/>
-                                            </p:txEl>
-                                          </p:spTgt>
-                                        </p:tgtEl>
-                                        <p:attrNameLst>
-                                          <p:attrName>style.visibility</p:attrName>
-                                        </p:attrNameLst>
-                                      </p:cBhvr>
-                                      <p:to>
-                                        <p:strVal val="visible"/>
-                                      </p:to>
-                                    </p:set>
-                                    <p:anim calcmode="lin" valueType="num">
-                                      <p:cBhvr additive="base">
-                                        <p:cTn id="58" dur="500" fill="hold"/>
-                                        <p:tgtEl>
-                                          <p:spTgt spid="3">
-                                            <p:txEl>
-                                              <p:pRg st="10" end="10"/>
-                                            </p:txEl>
-                                          </p:spTgt>
-                                        </p:tgtEl>
-                                        <p:attrNameLst>
-                                          <p:attrName>ppt_x</p:attrName>
-                                        </p:attrNameLst>
-                                      </p:cBhvr>
-                                      <p:tavLst>
-                                        <p:tav tm="0">
-                                          <p:val>
-                                            <p:strVal val="#ppt_x"/>
-                                          </p:val>
-                                        </p:tav>
-                                        <p:tav tm="100000">
-                                          <p:val>
-                                            <p:strVal val="#ppt_x"/>
-                                          </p:val>
-                                        </p:tav>
-                                      </p:tavLst>
-                                    </p:anim>
-                                    <p:anim calcmode="lin" valueType="num">
-                                      <p:cBhvr additive="base">
-                                        <p:cTn id="59" dur="500" fill="hold"/>
-                                        <p:tgtEl>
-                                          <p:spTgt spid="3">
-                                            <p:txEl>
-                                              <p:pRg st="10" end="10"/>
                                             </p:txEl>
                                           </p:spTgt>
                                         </p:tgtEl>
@@ -14439,6 +13947,125 @@
 </file>
 
 <file path=ppt/slides/slide13.xml><?xml version="1.0" encoding="utf-8"?>
+<p:sld xmlns:a="http://schemas.openxmlformats.org/drawingml/2006/main" xmlns:r="http://schemas.openxmlformats.org/officeDocument/2006/relationships" xmlns:p="http://schemas.openxmlformats.org/presentationml/2006/main">
+  <p:cSld>
+    <p:spTree>
+      <p:nvGrpSpPr>
+        <p:cNvPr id="1" name=""/>
+        <p:cNvGrpSpPr/>
+        <p:nvPr/>
+      </p:nvGrpSpPr>
+      <p:grpSpPr>
+        <a:xfrm>
+          <a:off x="0" y="0"/>
+          <a:ext cx="0" cy="0"/>
+          <a:chOff x="0" y="0"/>
+          <a:chExt cx="0" cy="0"/>
+        </a:xfrm>
+      </p:grpSpPr>
+      <p:sp>
+        <p:nvSpPr>
+          <p:cNvPr id="2" name="Title 1"/>
+          <p:cNvSpPr>
+            <a:spLocks noGrp="1"/>
+          </p:cNvSpPr>
+          <p:nvPr>
+            <p:ph type="title"/>
+          </p:nvPr>
+        </p:nvSpPr>
+        <p:spPr/>
+        <p:txBody>
+          <a:bodyPr/>
+          <a:lstStyle/>
+          <a:p>
+            <a:r>
+              <a:rPr lang="en-US" dirty="0"/>
+              <a:t>Test data set</a:t>
+            </a:r>
+          </a:p>
+        </p:txBody>
+      </p:sp>
+      <p:sp>
+        <p:nvSpPr>
+          <p:cNvPr id="3" name="Content Placeholder 2"/>
+          <p:cNvSpPr>
+            <a:spLocks noGrp="1"/>
+          </p:cNvSpPr>
+          <p:nvPr>
+            <p:ph idx="1"/>
+          </p:nvPr>
+        </p:nvSpPr>
+        <p:spPr/>
+        <p:txBody>
+          <a:bodyPr/>
+          <a:lstStyle/>
+          <a:p>
+            <a:r>
+              <a:rPr lang="en-US" dirty="0"/>
+              <a:t>The test set contains 19558 questions</a:t>
+            </a:r>
+          </a:p>
+          <a:p>
+            <a:pPr lvl="1"/>
+            <a:r>
+              <a:rPr lang="en-US" dirty="0"/>
+              <a:t>14 categories </a:t>
+            </a:r>
+          </a:p>
+          <a:p>
+            <a:pPr lvl="1"/>
+            <a:r>
+              <a:rPr lang="en-US" dirty="0"/>
+              <a:t>capital-common-countries, capital-world</a:t>
+            </a:r>
+          </a:p>
+          <a:p>
+            <a:pPr lvl="1"/>
+            <a:r>
+              <a:rPr lang="en-US" dirty="0"/>
+              <a:t>currency, city-in-state, family, gram1-adjective-to-adverb</a:t>
+            </a:r>
+          </a:p>
+          <a:p>
+            <a:pPr lvl="1"/>
+            <a:r>
+              <a:rPr lang="en-US" dirty="0"/>
+              <a:t>gram2-opposite, gram3-comparative, gram4-superlative</a:t>
+            </a:r>
+          </a:p>
+          <a:p>
+            <a:pPr lvl="1"/>
+            <a:r>
+              <a:rPr lang="en-US" dirty="0"/>
+              <a:t>gram5-present-participle, gram6-nationality-adjective</a:t>
+            </a:r>
+          </a:p>
+          <a:p>
+            <a:pPr lvl="1"/>
+            <a:r>
+              <a:rPr lang="en-US" dirty="0"/>
+              <a:t>gram7-past-tense, gram8-plural and gram9-plural-verbs </a:t>
+            </a:r>
+          </a:p>
+          <a:p>
+            <a:endParaRPr lang="en-US" dirty="0"/>
+          </a:p>
+        </p:txBody>
+      </p:sp>
+    </p:spTree>
+    <p:extLst>
+      <p:ext uri="{BB962C8B-B14F-4D97-AF65-F5344CB8AC3E}">
+        <p14:creationId xmlns:p14="http://schemas.microsoft.com/office/powerpoint/2010/main" val="803092885"/>
+      </p:ext>
+    </p:extLst>
+  </p:cSld>
+  <p:clrMapOvr>
+    <a:masterClrMapping/>
+  </p:clrMapOvr>
+</p:sld>
+</file>
+
+<file path=ppt/slides/slide14.xml><?xml version="1.0" encoding="utf-8"?>
 <p:sld xmlns:a="http://schemas.openxmlformats.org/drawingml/2006/main" xmlns:r="http://schemas.openxmlformats.org/officeDocument/2006/relationships" xmlns:p="http://schemas.openxmlformats.org/presentationml/2006/main">
   <p:cSld>
     <p:spTree>
